--- a/ED-Tema-3/3.2 Reporte de Practica_Cynthia Jasmine Morales Torres.pptx
+++ b/ED-Tema-3/3.2 Reporte de Practica_Cynthia Jasmine Morales Torres.pptx
@@ -2,17 +2,17 @@
 <file path=ppt/presentation.xml><?xml version="1.0" encoding="utf-8"?>
 <p:presentation xmlns:a="http://schemas.openxmlformats.org/drawingml/2006/main" xmlns:r="http://schemas.openxmlformats.org/officeDocument/2006/relationships" xmlns:p="http://schemas.openxmlformats.org/presentationml/2006/main" saveSubsetFonts="1">
   <p:sldMasterIdLst>
-    <p:sldMasterId id="2147483771" r:id="rId1"/>
+    <p:sldMasterId id="2147483789" r:id="rId1"/>
   </p:sldMasterIdLst>
   <p:sldIdLst>
     <p:sldId id="256" r:id="rId2"/>
     <p:sldId id="260" r:id="rId3"/>
     <p:sldId id="262" r:id="rId4"/>
-    <p:sldId id="258" r:id="rId5"/>
-    <p:sldId id="259" r:id="rId6"/>
-    <p:sldId id="257" r:id="rId7"/>
-    <p:sldId id="261" r:id="rId8"/>
-    <p:sldId id="263" r:id="rId9"/>
+    <p:sldId id="263" r:id="rId5"/>
+    <p:sldId id="264" r:id="rId6"/>
+    <p:sldId id="265" r:id="rId7"/>
+    <p:sldId id="266" r:id="rId8"/>
+    <p:sldId id="261" r:id="rId9"/>
   </p:sldIdLst>
   <p:sldSz cx="12192000" cy="6858000"/>
   <p:notesSz cx="6858000" cy="9144000"/>
@@ -136,59 +136,29 @@
           <a:chExt cx="0" cy="0"/>
         </a:xfrm>
       </p:grpSpPr>
-      <p:pic>
-        <p:nvPicPr>
-          <p:cNvPr id="7" name="Picture 6" descr="HD-PanelTitle-GrommetsCombined.png"/>
-          <p:cNvPicPr>
-            <a:picLocks noChangeAspect="1"/>
-          </p:cNvPicPr>
-          <p:nvPr/>
-        </p:nvPicPr>
-        <p:blipFill>
-          <a:blip r:embed="rId2">
-            <a:extLst>
-              <a:ext uri="{28A0092B-C50C-407E-A947-70E740481C1C}">
-                <a14:useLocalDpi xmlns:a14="http://schemas.microsoft.com/office/drawing/2010/main" val="0"/>
-              </a:ext>
-            </a:extLst>
-          </a:blip>
-          <a:stretch>
-            <a:fillRect/>
-          </a:stretch>
-        </p:blipFill>
+      <p:sp>
+        <p:nvSpPr>
+          <p:cNvPr id="2" name="Title 1"/>
+          <p:cNvSpPr>
+            <a:spLocks noGrp="1"/>
+          </p:cNvSpPr>
+          <p:nvPr>
+            <p:ph type="ctrTitle"/>
+          </p:nvPr>
+        </p:nvSpPr>
         <p:spPr>
           <a:xfrm>
-            <a:off x="0" y="0"/>
-            <a:ext cx="12188825" cy="6856214"/>
-          </a:xfrm>
-          <a:prstGeom prst="rect">
-            <a:avLst/>
-          </a:prstGeom>
-        </p:spPr>
-      </p:pic>
-      <p:sp>
-        <p:nvSpPr>
-          <p:cNvPr id="2" name="Title 1"/>
-          <p:cNvSpPr>
-            <a:spLocks noGrp="1"/>
-          </p:cNvSpPr>
-          <p:nvPr>
-            <p:ph type="ctrTitle"/>
-          </p:nvPr>
-        </p:nvSpPr>
-        <p:spPr>
-          <a:xfrm>
-            <a:off x="2692398" y="1871131"/>
-            <a:ext cx="6815669" cy="1515533"/>
+            <a:off x="684212" y="685799"/>
+            <a:ext cx="8001000" cy="2971801"/>
           </a:xfrm>
         </p:spPr>
         <p:txBody>
           <a:bodyPr anchor="b">
-            <a:noAutofit/>
+            <a:normAutofit/>
           </a:bodyPr>
           <a:lstStyle>
-            <a:lvl1pPr algn="ctr">
-              <a:defRPr sz="5400">
+            <a:lvl1pPr algn="l">
+              <a:defRPr sz="4800">
                 <a:effectLst/>
               </a:defRPr>
             </a:lvl1pPr>
@@ -214,8 +184,8 @@
         </p:nvSpPr>
         <p:spPr>
           <a:xfrm>
-            <a:off x="2692398" y="3657597"/>
-            <a:ext cx="6815669" cy="1320802"/>
+            <a:off x="684212" y="3843867"/>
+            <a:ext cx="6400800" cy="1947333"/>
           </a:xfrm>
         </p:spPr>
         <p:txBody>
@@ -223,11 +193,13 @@
             <a:normAutofit/>
           </a:bodyPr>
           <a:lstStyle>
-            <a:lvl1pPr marL="0" indent="0" algn="ctr">
+            <a:lvl1pPr marL="0" indent="0" algn="l">
               <a:buNone/>
               <a:defRPr sz="2100">
                 <a:solidFill>
-                  <a:schemeClr val="tx1"/>
+                  <a:schemeClr val="bg2">
+                    <a:lumMod val="75000"/>
+                  </a:schemeClr>
                 </a:solidFill>
               </a:defRPr>
             </a:lvl1pPr>
@@ -331,19 +303,14 @@
             <p:ph type="dt" sz="half" idx="10"/>
           </p:nvPr>
         </p:nvSpPr>
-        <p:spPr>
-          <a:xfrm>
-            <a:off x="7983232" y="5037663"/>
-            <a:ext cx="897467" cy="279400"/>
-          </a:xfrm>
-        </p:spPr>
+        <p:spPr/>
         <p:txBody>
           <a:bodyPr/>
           <a:lstStyle/>
           <a:p>
             <a:fld id="{F72A63ED-A474-4EED-92B8-EA8361CA006A}" type="datetimeFigureOut">
               <a:rPr lang="es-MX" smtClean="0"/>
-              <a:t>25/11/2025</a:t>
+              <a:t>14/12/2025</a:t>
             </a:fld>
             <a:endParaRPr lang="es-MX"/>
           </a:p>
@@ -359,12 +326,7 @@
             <p:ph type="ftr" sz="quarter" idx="11"/>
           </p:nvPr>
         </p:nvSpPr>
-        <p:spPr>
-          <a:xfrm>
-            <a:off x="2692397" y="5037663"/>
-            <a:ext cx="5214635" cy="279400"/>
-          </a:xfrm>
-        </p:spPr>
+        <p:spPr/>
         <p:txBody>
           <a:bodyPr/>
           <a:lstStyle/>
@@ -383,12 +345,7 @@
             <p:ph type="sldNum" sz="quarter" idx="12"/>
           </p:nvPr>
         </p:nvSpPr>
-        <p:spPr>
-          <a:xfrm>
-            <a:off x="8956900" y="5037663"/>
-            <a:ext cx="551167" cy="279400"/>
-          </a:xfrm>
-        </p:spPr>
+        <p:spPr/>
         <p:txBody>
           <a:bodyPr/>
           <a:lstStyle/>
@@ -403,24 +360,161 @@
       </p:sp>
       <p:cxnSp>
         <p:nvCxnSpPr>
-          <p:cNvPr id="15" name="Straight Connector 14"/>
+          <p:cNvPr id="16" name="Straight Connector 15"/>
           <p:cNvCxnSpPr/>
           <p:nvPr/>
         </p:nvCxnSpPr>
         <p:spPr>
-          <a:xfrm>
-            <a:off x="2692399" y="3522131"/>
-            <a:ext cx="6815668" cy="0"/>
+          <a:xfrm flipH="1">
+            <a:off x="8228012" y="8467"/>
+            <a:ext cx="3810000" cy="3810000"/>
           </a:xfrm>
           <a:prstGeom prst="line">
             <a:avLst/>
           </a:prstGeom>
-          <a:ln>
+          <a:ln w="12700">
             <a:solidFill>
-              <a:schemeClr val="accent1">
-                <a:lumMod val="60000"/>
-                <a:lumOff val="40000"/>
-              </a:schemeClr>
+              <a:schemeClr val="tx1"/>
+            </a:solidFill>
+          </a:ln>
+        </p:spPr>
+        <p:style>
+          <a:lnRef idx="2">
+            <a:schemeClr val="accent1"/>
+          </a:lnRef>
+          <a:fillRef idx="0">
+            <a:schemeClr val="accent1"/>
+          </a:fillRef>
+          <a:effectRef idx="1">
+            <a:schemeClr val="accent1"/>
+          </a:effectRef>
+          <a:fontRef idx="minor">
+            <a:schemeClr val="tx1"/>
+          </a:fontRef>
+        </p:style>
+      </p:cxnSp>
+      <p:cxnSp>
+        <p:nvCxnSpPr>
+          <p:cNvPr id="17" name="Straight Connector 16"/>
+          <p:cNvCxnSpPr/>
+          <p:nvPr/>
+        </p:nvCxnSpPr>
+        <p:spPr>
+          <a:xfrm flipH="1">
+            <a:off x="6108170" y="91545"/>
+            <a:ext cx="6080655" cy="6080655"/>
+          </a:xfrm>
+          <a:prstGeom prst="line">
+            <a:avLst/>
+          </a:prstGeom>
+          <a:ln w="12700">
+            <a:solidFill>
+              <a:schemeClr val="tx1"/>
+            </a:solidFill>
+          </a:ln>
+        </p:spPr>
+        <p:style>
+          <a:lnRef idx="2">
+            <a:schemeClr val="accent1"/>
+          </a:lnRef>
+          <a:fillRef idx="0">
+            <a:schemeClr val="accent1"/>
+          </a:fillRef>
+          <a:effectRef idx="1">
+            <a:schemeClr val="accent1"/>
+          </a:effectRef>
+          <a:fontRef idx="minor">
+            <a:schemeClr val="tx1"/>
+          </a:fontRef>
+        </p:style>
+      </p:cxnSp>
+      <p:cxnSp>
+        <p:nvCxnSpPr>
+          <p:cNvPr id="19" name="Straight Connector 18"/>
+          <p:cNvCxnSpPr/>
+          <p:nvPr/>
+        </p:nvCxnSpPr>
+        <p:spPr>
+          <a:xfrm flipH="1">
+            <a:off x="7235825" y="228600"/>
+            <a:ext cx="4953000" cy="4953000"/>
+          </a:xfrm>
+          <a:prstGeom prst="line">
+            <a:avLst/>
+          </a:prstGeom>
+          <a:ln w="12700">
+            <a:solidFill>
+              <a:schemeClr val="tx1"/>
+            </a:solidFill>
+          </a:ln>
+        </p:spPr>
+        <p:style>
+          <a:lnRef idx="2">
+            <a:schemeClr val="accent1"/>
+          </a:lnRef>
+          <a:fillRef idx="0">
+            <a:schemeClr val="accent1"/>
+          </a:fillRef>
+          <a:effectRef idx="1">
+            <a:schemeClr val="accent1"/>
+          </a:effectRef>
+          <a:fontRef idx="minor">
+            <a:schemeClr val="tx1"/>
+          </a:fontRef>
+        </p:style>
+      </p:cxnSp>
+      <p:cxnSp>
+        <p:nvCxnSpPr>
+          <p:cNvPr id="21" name="Straight Connector 20"/>
+          <p:cNvCxnSpPr/>
+          <p:nvPr/>
+        </p:nvCxnSpPr>
+        <p:spPr>
+          <a:xfrm flipH="1">
+            <a:off x="7335837" y="32278"/>
+            <a:ext cx="4852989" cy="4852989"/>
+          </a:xfrm>
+          <a:prstGeom prst="line">
+            <a:avLst/>
+          </a:prstGeom>
+          <a:ln w="31750">
+            <a:solidFill>
+              <a:schemeClr val="tx1"/>
+            </a:solidFill>
+          </a:ln>
+        </p:spPr>
+        <p:style>
+          <a:lnRef idx="2">
+            <a:schemeClr val="accent1"/>
+          </a:lnRef>
+          <a:fillRef idx="0">
+            <a:schemeClr val="accent1"/>
+          </a:fillRef>
+          <a:effectRef idx="1">
+            <a:schemeClr val="accent1"/>
+          </a:effectRef>
+          <a:fontRef idx="minor">
+            <a:schemeClr val="tx1"/>
+          </a:fontRef>
+        </p:style>
+      </p:cxnSp>
+      <p:cxnSp>
+        <p:nvCxnSpPr>
+          <p:cNvPr id="23" name="Straight Connector 22"/>
+          <p:cNvCxnSpPr/>
+          <p:nvPr/>
+        </p:nvCxnSpPr>
+        <p:spPr>
+          <a:xfrm flipH="1">
+            <a:off x="7845426" y="609601"/>
+            <a:ext cx="4343399" cy="4343399"/>
+          </a:xfrm>
+          <a:prstGeom prst="line">
+            <a:avLst/>
+          </a:prstGeom>
+          <a:ln w="31750">
+            <a:solidFill>
+              <a:schemeClr val="tx1"/>
             </a:solidFill>
           </a:ln>
         </p:spPr>
@@ -442,7 +536,7 @@
     </p:spTree>
     <p:extLst>
       <p:ext uri="{BB962C8B-B14F-4D97-AF65-F5344CB8AC3E}">
-        <p14:creationId xmlns:p14="http://schemas.microsoft.com/office/powerpoint/2010/main" val="3583252697"/>
+        <p14:creationId xmlns:p14="http://schemas.microsoft.com/office/powerpoint/2010/main" val="1421880348"/>
       </p:ext>
     </p:extLst>
   </p:cSld>
@@ -479,58 +573,46 @@
             <p:ph type="title"/>
           </p:nvPr>
         </p:nvSpPr>
+        <p:spPr/>
+        <p:txBody>
+          <a:bodyPr/>
+          <a:lstStyle/>
+          <a:p>
+            <a:r>
+              <a:rPr lang="es-ES"/>
+              <a:t>Haga clic para modificar el estilo de título del patrón</a:t>
+            </a:r>
+            <a:endParaRPr lang="en-US" dirty="0"/>
+          </a:p>
+        </p:txBody>
+      </p:sp>
+      <p:sp>
+        <p:nvSpPr>
+          <p:cNvPr id="17" name="Picture Placeholder 2"/>
+          <p:cNvSpPr>
+            <a:spLocks noGrp="1" noChangeAspect="1"/>
+          </p:cNvSpPr>
+          <p:nvPr>
+            <p:ph type="pic" idx="13"/>
+          </p:nvPr>
+        </p:nvSpPr>
         <p:spPr>
           <a:xfrm>
-            <a:off x="1295401" y="4815415"/>
-            <a:ext cx="9609666" cy="566738"/>
-          </a:xfrm>
-        </p:spPr>
-        <p:txBody>
-          <a:bodyPr anchor="b">
-            <a:normAutofit/>
-          </a:bodyPr>
-          <a:lstStyle>
-            <a:lvl1pPr algn="ctr">
-              <a:defRPr sz="2400" b="0"/>
-            </a:lvl1pPr>
-          </a:lstStyle>
-          <a:p>
-            <a:r>
-              <a:rPr lang="es-ES"/>
-              <a:t>Haga clic para modificar el estilo de título del patrón</a:t>
-            </a:r>
-            <a:endParaRPr lang="en-US" dirty="0"/>
-          </a:p>
-        </p:txBody>
-      </p:sp>
-      <p:sp>
-        <p:nvSpPr>
-          <p:cNvPr id="3" name="Picture Placeholder 2"/>
-          <p:cNvSpPr>
-            <a:spLocks noGrp="1" noChangeAspect="1"/>
-          </p:cNvSpPr>
-          <p:nvPr>
-            <p:ph type="pic" idx="1"/>
-          </p:nvPr>
-        </p:nvSpPr>
-        <p:spPr>
-          <a:xfrm>
-            <a:off x="1041427" y="1041399"/>
-            <a:ext cx="10105972" cy="3335869"/>
-          </a:xfrm>
-          <a:prstGeom prst="roundRect">
+            <a:off x="685800" y="533400"/>
+            <a:ext cx="10818812" cy="3124200"/>
+          </a:xfrm>
+          <a:prstGeom prst="snip2DiagRect">
             <a:avLst>
-              <a:gd name="adj" fmla="val 0"/>
+              <a:gd name="adj1" fmla="val 10815"/>
+              <a:gd name="adj2" fmla="val 0"/>
             </a:avLst>
           </a:prstGeom>
-          <a:ln w="57150" cmpd="thickThin">
+          <a:ln w="15875">
             <a:solidFill>
               <a:schemeClr val="tx1">
-                <a:lumMod val="50000"/>
-                <a:lumOff val="50000"/>
+                <a:alpha val="40000"/>
               </a:schemeClr>
             </a:solidFill>
-            <a:miter lim="800000"/>
           </a:ln>
           <a:effectLst>
             <a:innerShdw blurRad="57150" dist="38100" dir="14460000">
@@ -593,61 +675,50 @@
       </p:sp>
       <p:sp>
         <p:nvSpPr>
-          <p:cNvPr id="4" name="Text Placeholder 3"/>
-          <p:cNvSpPr>
-            <a:spLocks noGrp="1"/>
-          </p:cNvSpPr>
-          <p:nvPr>
-            <p:ph type="body" sz="half" idx="2"/>
+          <p:cNvPr id="16" name="Text Placeholder 9"/>
+          <p:cNvSpPr>
+            <a:spLocks noGrp="1"/>
+          </p:cNvSpPr>
+          <p:nvPr>
+            <p:ph type="body" sz="quarter" idx="14"/>
           </p:nvPr>
         </p:nvSpPr>
         <p:spPr>
           <a:xfrm>
-            <a:off x="1295401" y="5382153"/>
-            <a:ext cx="9609666" cy="493712"/>
-          </a:xfrm>
-        </p:spPr>
-        <p:txBody>
-          <a:bodyPr>
+            <a:off x="914402" y="3843867"/>
+            <a:ext cx="8304210" cy="457200"/>
+          </a:xfrm>
+        </p:spPr>
+        <p:txBody>
+          <a:bodyPr anchor="t">
             <a:normAutofit/>
           </a:bodyPr>
           <a:lstStyle>
-            <a:lvl1pPr marL="0" indent="0" algn="ctr">
-              <a:buNone/>
-              <a:defRPr sz="1400"/>
+            <a:lvl1pPr marL="0" indent="0">
+              <a:buFontTx/>
+              <a:buNone/>
+              <a:defRPr sz="1600"/>
             </a:lvl1pPr>
             <a:lvl2pPr marL="457200" indent="0">
-              <a:buNone/>
-              <a:defRPr sz="1200"/>
+              <a:buFontTx/>
+              <a:buNone/>
+              <a:defRPr/>
             </a:lvl2pPr>
             <a:lvl3pPr marL="914400" indent="0">
-              <a:buNone/>
-              <a:defRPr sz="1000"/>
+              <a:buFontTx/>
+              <a:buNone/>
+              <a:defRPr/>
             </a:lvl3pPr>
             <a:lvl4pPr marL="1371600" indent="0">
-              <a:buNone/>
-              <a:defRPr sz="900"/>
+              <a:buFontTx/>
+              <a:buNone/>
+              <a:defRPr/>
             </a:lvl4pPr>
             <a:lvl5pPr marL="1828800" indent="0">
-              <a:buNone/>
-              <a:defRPr sz="900"/>
+              <a:buFontTx/>
+              <a:buNone/>
+              <a:defRPr/>
             </a:lvl5pPr>
-            <a:lvl6pPr marL="2286000" indent="0">
-              <a:buNone/>
-              <a:defRPr sz="900"/>
-            </a:lvl6pPr>
-            <a:lvl7pPr marL="2743200" indent="0">
-              <a:buNone/>
-              <a:defRPr sz="900"/>
-            </a:lvl7pPr>
-            <a:lvl8pPr marL="3200400" indent="0">
-              <a:buNone/>
-              <a:defRPr sz="900"/>
-            </a:lvl8pPr>
-            <a:lvl9pPr marL="3657600" indent="0">
-              <a:buNone/>
-              <a:defRPr sz="900"/>
-            </a:lvl9pPr>
           </a:lstStyle>
           <a:p>
             <a:pPr lvl="0"/>
@@ -660,7 +731,7 @@
       </p:sp>
       <p:sp>
         <p:nvSpPr>
-          <p:cNvPr id="5" name="Date Placeholder 4"/>
+          <p:cNvPr id="3" name="Date Placeholder 2"/>
           <p:cNvSpPr>
             <a:spLocks noGrp="1"/>
           </p:cNvSpPr>
@@ -675,7 +746,7 @@
           <a:p>
             <a:fld id="{F72A63ED-A474-4EED-92B8-EA8361CA006A}" type="datetimeFigureOut">
               <a:rPr lang="es-MX" smtClean="0"/>
-              <a:t>25/11/2025</a:t>
+              <a:t>14/12/2025</a:t>
             </a:fld>
             <a:endParaRPr lang="es-MX"/>
           </a:p>
@@ -683,7 +754,7 @@
       </p:sp>
       <p:sp>
         <p:nvSpPr>
-          <p:cNvPr id="6" name="Footer Placeholder 5"/>
+          <p:cNvPr id="4" name="Footer Placeholder 3"/>
           <p:cNvSpPr>
             <a:spLocks noGrp="1"/>
           </p:cNvSpPr>
@@ -702,7 +773,7 @@
       </p:sp>
       <p:sp>
         <p:nvSpPr>
-          <p:cNvPr id="7" name="Slide Number Placeholder 6"/>
+          <p:cNvPr id="5" name="Slide Number Placeholder 4"/>
           <p:cNvSpPr>
             <a:spLocks noGrp="1"/>
           </p:cNvSpPr>
@@ -726,7 +797,7 @@
     </p:spTree>
     <p:extLst>
       <p:ext uri="{BB962C8B-B14F-4D97-AF65-F5344CB8AC3E}">
-        <p14:creationId xmlns:p14="http://schemas.microsoft.com/office/powerpoint/2010/main" val="1190727826"/>
+        <p14:creationId xmlns:p14="http://schemas.microsoft.com/office/powerpoint/2010/main" val="3969460005"/>
       </p:ext>
     </p:extLst>
   </p:cSld>
@@ -765,8 +836,8 @@
         </p:nvSpPr>
         <p:spPr>
           <a:xfrm>
-            <a:off x="1303868" y="982132"/>
-            <a:ext cx="9592732" cy="2954868"/>
+            <a:off x="684213" y="685800"/>
+            <a:ext cx="10058400" cy="2743200"/>
           </a:xfrm>
         </p:spPr>
         <p:txBody>
@@ -774,8 +845,8 @@
             <a:normAutofit/>
           </a:bodyPr>
           <a:lstStyle>
-            <a:lvl1pPr algn="ctr">
-              <a:defRPr sz="3200" b="0" cap="none"/>
+            <a:lvl1pPr algn="l">
+              <a:defRPr sz="3200" b="0" cap="all"/>
             </a:lvl1pPr>
           </a:lstStyle>
           <a:p>
@@ -799,8 +870,8 @@
         </p:nvSpPr>
         <p:spPr>
           <a:xfrm>
-            <a:off x="1303868" y="4343399"/>
-            <a:ext cx="9592732" cy="1532467"/>
+            <a:off x="684212" y="4114800"/>
+            <a:ext cx="8535988" cy="1879600"/>
           </a:xfrm>
         </p:spPr>
         <p:txBody>
@@ -808,11 +879,13 @@
             <a:normAutofit/>
           </a:bodyPr>
           <a:lstStyle>
-            <a:lvl1pPr marL="0" indent="0" algn="ctr">
+            <a:lvl1pPr marL="0" indent="0" algn="l">
               <a:buNone/>
               <a:defRPr sz="2000">
                 <a:solidFill>
-                  <a:schemeClr val="tx1"/>
+                  <a:schemeClr val="bg2">
+                    <a:lumMod val="75000"/>
+                  </a:schemeClr>
                 </a:solidFill>
               </a:defRPr>
             </a:lvl1pPr>
@@ -923,7 +996,7 @@
           <a:p>
             <a:fld id="{F72A63ED-A474-4EED-92B8-EA8361CA006A}" type="datetimeFigureOut">
               <a:rPr lang="es-MX" smtClean="0"/>
-              <a:t>25/11/2025</a:t>
+              <a:t>14/12/2025</a:t>
             </a:fld>
             <a:endParaRPr lang="es-MX"/>
           </a:p>
@@ -971,48 +1044,10 @@
           </a:p>
         </p:txBody>
       </p:sp>
-      <p:cxnSp>
-        <p:nvCxnSpPr>
-          <p:cNvPr id="15" name="Straight Connector 14"/>
-          <p:cNvCxnSpPr/>
-          <p:nvPr/>
-        </p:nvCxnSpPr>
-        <p:spPr>
-          <a:xfrm>
-            <a:off x="1396169" y="4140199"/>
-            <a:ext cx="9407298" cy="0"/>
-          </a:xfrm>
-          <a:prstGeom prst="line">
-            <a:avLst/>
-          </a:prstGeom>
-          <a:ln w="15875">
-            <a:solidFill>
-              <a:schemeClr val="accent1">
-                <a:lumMod val="60000"/>
-                <a:lumOff val="40000"/>
-              </a:schemeClr>
-            </a:solidFill>
-          </a:ln>
-        </p:spPr>
-        <p:style>
-          <a:lnRef idx="2">
-            <a:schemeClr val="accent1"/>
-          </a:lnRef>
-          <a:fillRef idx="0">
-            <a:schemeClr val="accent1"/>
-          </a:fillRef>
-          <a:effectRef idx="1">
-            <a:schemeClr val="accent1"/>
-          </a:effectRef>
-          <a:fontRef idx="minor">
-            <a:schemeClr val="tx1"/>
-          </a:fontRef>
-        </p:style>
-      </p:cxnSp>
     </p:spTree>
     <p:extLst>
       <p:ext uri="{BB962C8B-B14F-4D97-AF65-F5344CB8AC3E}">
-        <p14:creationId xmlns:p14="http://schemas.microsoft.com/office/powerpoint/2010/main" val="3984275746"/>
+        <p14:creationId xmlns:p14="http://schemas.microsoft.com/office/powerpoint/2010/main" val="2401026677"/>
       </p:ext>
     </p:extLst>
   </p:cSld>
@@ -1051,8 +1086,8 @@
         </p:nvSpPr>
         <p:spPr>
           <a:xfrm>
-            <a:off x="1446213" y="982132"/>
-            <a:ext cx="9296398" cy="2370668"/>
+            <a:off x="1141411" y="685800"/>
+            <a:ext cx="9144001" cy="2743200"/>
           </a:xfrm>
         </p:spPr>
         <p:txBody>
@@ -1060,8 +1095,8 @@
             <a:normAutofit/>
           </a:bodyPr>
           <a:lstStyle>
-            <a:lvl1pPr algn="ctr">
-              <a:defRPr sz="3200" b="0" cap="none">
+            <a:lvl1pPr algn="l">
+              <a:defRPr sz="3200" b="0" cap="all">
                 <a:solidFill>
                   <a:schemeClr val="tx1"/>
                 </a:solidFill>
@@ -1089,8 +1124,62 @@
         </p:nvSpPr>
         <p:spPr>
           <a:xfrm>
-            <a:off x="1674812" y="3352800"/>
-            <a:ext cx="8839202" cy="584200"/>
+            <a:off x="1446212" y="3429000"/>
+            <a:ext cx="8534400" cy="381000"/>
+          </a:xfrm>
+        </p:spPr>
+        <p:txBody>
+          <a:bodyPr anchor="ctr"/>
+          <a:lstStyle>
+            <a:lvl1pPr marL="0" indent="0">
+              <a:buFontTx/>
+              <a:buNone/>
+              <a:defRPr/>
+            </a:lvl1pPr>
+            <a:lvl2pPr marL="457200" indent="0">
+              <a:buFontTx/>
+              <a:buNone/>
+              <a:defRPr/>
+            </a:lvl2pPr>
+            <a:lvl3pPr marL="914400" indent="0">
+              <a:buFontTx/>
+              <a:buNone/>
+              <a:defRPr/>
+            </a:lvl3pPr>
+            <a:lvl4pPr marL="1371600" indent="0">
+              <a:buFontTx/>
+              <a:buNone/>
+              <a:defRPr/>
+            </a:lvl4pPr>
+            <a:lvl5pPr marL="1828800" indent="0">
+              <a:buFontTx/>
+              <a:buNone/>
+              <a:defRPr/>
+            </a:lvl5pPr>
+          </a:lstStyle>
+          <a:p>
+            <a:pPr lvl="0"/>
+            <a:r>
+              <a:rPr lang="es-ES"/>
+              <a:t>Haga clic para modificar los estilos de texto del patrón</a:t>
+            </a:r>
+          </a:p>
+        </p:txBody>
+      </p:sp>
+      <p:sp>
+        <p:nvSpPr>
+          <p:cNvPr id="3" name="Text Placeholder 2"/>
+          <p:cNvSpPr>
+            <a:spLocks noGrp="1"/>
+          </p:cNvSpPr>
+          <p:nvPr>
+            <p:ph type="body" idx="1"/>
+          </p:nvPr>
+        </p:nvSpPr>
+        <p:spPr>
+          <a:xfrm>
+            <a:off x="684213" y="4301067"/>
+            <a:ext cx="8534400" cy="1684865"/>
           </a:xfrm>
         </p:spPr>
         <p:txBody>
@@ -1098,67 +1187,13 @@
             <a:normAutofit/>
           </a:bodyPr>
           <a:lstStyle>
-            <a:lvl1pPr marL="0" indent="0" algn="r">
-              <a:buFontTx/>
-              <a:buNone/>
-              <a:defRPr sz="2000"/>
-            </a:lvl1pPr>
-            <a:lvl2pPr marL="457200" indent="0">
-              <a:buFontTx/>
-              <a:buNone/>
-              <a:defRPr/>
-            </a:lvl2pPr>
-            <a:lvl3pPr marL="914400" indent="0">
-              <a:buFontTx/>
-              <a:buNone/>
-              <a:defRPr/>
-            </a:lvl3pPr>
-            <a:lvl4pPr marL="1371600" indent="0">
-              <a:buFontTx/>
-              <a:buNone/>
-              <a:defRPr/>
-            </a:lvl4pPr>
-            <a:lvl5pPr marL="1828800" indent="0">
-              <a:buFontTx/>
-              <a:buNone/>
-              <a:defRPr/>
-            </a:lvl5pPr>
-          </a:lstStyle>
-          <a:p>
-            <a:pPr lvl="0"/>
-            <a:r>
-              <a:rPr lang="es-ES"/>
-              <a:t>Haga clic para modificar los estilos de texto del patrón</a:t>
-            </a:r>
-          </a:p>
-        </p:txBody>
-      </p:sp>
-      <p:sp>
-        <p:nvSpPr>
-          <p:cNvPr id="3" name="Text Placeholder 2"/>
-          <p:cNvSpPr>
-            <a:spLocks noGrp="1"/>
-          </p:cNvSpPr>
-          <p:nvPr>
-            <p:ph type="body" idx="1"/>
-          </p:nvPr>
-        </p:nvSpPr>
-        <p:spPr>
-          <a:xfrm>
-            <a:off x="1295401" y="4343399"/>
-            <a:ext cx="9609666" cy="1532467"/>
-          </a:xfrm>
-        </p:spPr>
-        <p:txBody>
-          <a:bodyPr anchor="ctr">
-            <a:normAutofit/>
-          </a:bodyPr>
-          <a:lstStyle>
-            <a:lvl1pPr marL="0" indent="0" algn="ctr">
+            <a:lvl1pPr marL="0" indent="0" algn="l">
               <a:buNone/>
               <a:defRPr sz="2000">
                 <a:solidFill>
-                  <a:schemeClr val="tx1"/>
+                  <a:schemeClr val="bg2">
+                    <a:lumMod val="75000"/>
+                  </a:schemeClr>
                 </a:solidFill>
               </a:defRPr>
             </a:lvl1pPr>
@@ -1269,7 +1304,7 @@
           <a:p>
             <a:fld id="{F72A63ED-A474-4EED-92B8-EA8361CA006A}" type="datetimeFigureOut">
               <a:rPr lang="es-MX" smtClean="0"/>
-              <a:t>25/11/2025</a:t>
+              <a:t>14/12/2025</a:t>
             </a:fld>
             <a:endParaRPr lang="es-MX"/>
           </a:p>
@@ -1325,7 +1360,7 @@
         </p:nvSpPr>
         <p:spPr>
           <a:xfrm>
-            <a:off x="862013" y="879961"/>
+            <a:off x="531812" y="812222"/>
             <a:ext cx="609600" cy="584776"/>
           </a:xfrm>
           <a:prstGeom prst="rect">
@@ -1359,7 +1394,7 @@
         </p:nvSpPr>
         <p:spPr>
           <a:xfrm>
-            <a:off x="10600267" y="2827870"/>
+            <a:off x="10285412" y="2768601"/>
             <a:ext cx="609600" cy="584776"/>
           </a:xfrm>
           <a:prstGeom prst="rect">
@@ -1385,48 +1420,10 @@
           </a:p>
         </p:txBody>
       </p:sp>
-      <p:cxnSp>
-        <p:nvCxnSpPr>
-          <p:cNvPr id="19" name="Straight Connector 18"/>
-          <p:cNvCxnSpPr/>
-          <p:nvPr/>
-        </p:nvCxnSpPr>
-        <p:spPr>
-          <a:xfrm>
-            <a:off x="1396169" y="4140199"/>
-            <a:ext cx="9407298" cy="0"/>
-          </a:xfrm>
-          <a:prstGeom prst="line">
-            <a:avLst/>
-          </a:prstGeom>
-          <a:ln w="15875">
-            <a:solidFill>
-              <a:schemeClr val="accent1">
-                <a:lumMod val="60000"/>
-                <a:lumOff val="40000"/>
-              </a:schemeClr>
-            </a:solidFill>
-          </a:ln>
-        </p:spPr>
-        <p:style>
-          <a:lnRef idx="2">
-            <a:schemeClr val="accent1"/>
-          </a:lnRef>
-          <a:fillRef idx="0">
-            <a:schemeClr val="accent1"/>
-          </a:fillRef>
-          <a:effectRef idx="1">
-            <a:schemeClr val="accent1"/>
-          </a:effectRef>
-          <a:fontRef idx="minor">
-            <a:schemeClr val="tx1"/>
-          </a:fontRef>
-        </p:style>
-      </p:cxnSp>
     </p:spTree>
     <p:extLst>
       <p:ext uri="{BB962C8B-B14F-4D97-AF65-F5344CB8AC3E}">
-        <p14:creationId xmlns:p14="http://schemas.microsoft.com/office/powerpoint/2010/main" val="1434995881"/>
+        <p14:creationId xmlns:p14="http://schemas.microsoft.com/office/powerpoint/2010/main" val="2942580693"/>
       </p:ext>
     </p:extLst>
   </p:cSld>
@@ -1465,8 +1462,8 @@
         </p:nvSpPr>
         <p:spPr>
           <a:xfrm>
-            <a:off x="1295402" y="3308581"/>
-            <a:ext cx="9609668" cy="1468800"/>
+            <a:off x="684212" y="3429000"/>
+            <a:ext cx="8534400" cy="1697400"/>
           </a:xfrm>
         </p:spPr>
         <p:txBody>
@@ -1475,7 +1472,7 @@
           </a:bodyPr>
           <a:lstStyle>
             <a:lvl1pPr algn="l">
-              <a:defRPr sz="3200" b="0" cap="none"/>
+              <a:defRPr sz="3200" b="0" cap="all"/>
             </a:lvl1pPr>
           </a:lstStyle>
           <a:p>
@@ -1499,8 +1496,8 @@
         </p:nvSpPr>
         <p:spPr>
           <a:xfrm>
-            <a:off x="1295401" y="4777381"/>
-            <a:ext cx="9609668" cy="860400"/>
+            <a:off x="684211" y="5132981"/>
+            <a:ext cx="8535990" cy="860400"/>
           </a:xfrm>
         </p:spPr>
         <p:txBody>
@@ -1512,7 +1509,9 @@
               <a:buNone/>
               <a:defRPr sz="2000">
                 <a:solidFill>
-                  <a:schemeClr val="tx1"/>
+                  <a:schemeClr val="bg2">
+                    <a:lumMod val="75000"/>
+                  </a:schemeClr>
                 </a:solidFill>
               </a:defRPr>
             </a:lvl1pPr>
@@ -1623,7 +1622,7 @@
           <a:p>
             <a:fld id="{F72A63ED-A474-4EED-92B8-EA8361CA006A}" type="datetimeFigureOut">
               <a:rPr lang="es-MX" smtClean="0"/>
-              <a:t>25/11/2025</a:t>
+              <a:t>14/12/2025</a:t>
             </a:fld>
             <a:endParaRPr lang="es-MX"/>
           </a:p>
@@ -1674,7 +1673,7 @@
     </p:spTree>
     <p:extLst>
       <p:ext uri="{BB962C8B-B14F-4D97-AF65-F5344CB8AC3E}">
-        <p14:creationId xmlns:p14="http://schemas.microsoft.com/office/powerpoint/2010/main" val="3850739467"/>
+        <p14:creationId xmlns:p14="http://schemas.microsoft.com/office/powerpoint/2010/main" val="3362694437"/>
       </p:ext>
     </p:extLst>
   </p:cSld>
@@ -1713,8 +1712,8 @@
         </p:nvSpPr>
         <p:spPr>
           <a:xfrm>
-            <a:off x="1446213" y="982132"/>
-            <a:ext cx="9296398" cy="2243668"/>
+            <a:off x="1141413" y="685800"/>
+            <a:ext cx="9144000" cy="2743200"/>
           </a:xfrm>
         </p:spPr>
         <p:txBody>
@@ -1722,8 +1721,8 @@
             <a:normAutofit/>
           </a:bodyPr>
           <a:lstStyle>
-            <a:lvl1pPr algn="ctr">
-              <a:defRPr sz="3200" b="0" cap="none">
+            <a:lvl1pPr algn="l">
+              <a:defRPr sz="3200" b="0" cap="all">
                 <a:solidFill>
                   <a:schemeClr val="tx1"/>
                 </a:solidFill>
@@ -1741,119 +1740,45 @@
       </p:sp>
       <p:sp>
         <p:nvSpPr>
-          <p:cNvPr id="14" name="Text Placeholder 2"/>
-          <p:cNvSpPr>
-            <a:spLocks noGrp="1"/>
-          </p:cNvSpPr>
-          <p:nvPr>
-            <p:ph type="body" idx="13"/>
+          <p:cNvPr id="10" name="Text Placeholder 9"/>
+          <p:cNvSpPr>
+            <a:spLocks noGrp="1"/>
+          </p:cNvSpPr>
+          <p:nvPr>
+            <p:ph type="body" sz="quarter" idx="13"/>
           </p:nvPr>
         </p:nvSpPr>
         <p:spPr>
           <a:xfrm>
-            <a:off x="1295401" y="3639312"/>
-            <a:ext cx="9609668" cy="886968"/>
-          </a:xfrm>
-        </p:spPr>
-        <p:txBody>
-          <a:bodyPr anchor="b">
+            <a:off x="684212" y="3928534"/>
+            <a:ext cx="8534401" cy="1049866"/>
+          </a:xfrm>
+        </p:spPr>
+        <p:txBody>
+          <a:bodyPr vert="horz" lIns="91440" tIns="45720" rIns="91440" bIns="45720" rtlCol="0" anchor="b">
             <a:normAutofit/>
           </a:bodyPr>
           <a:lstStyle>
-            <a:lvl1pPr marL="0" indent="0" algn="l">
-              <a:spcBef>
-                <a:spcPts val="0"/>
-              </a:spcBef>
-              <a:buNone/>
-              <a:defRPr sz="2400">
+            <a:lvl1pPr>
+              <a:buNone/>
+              <a:defRPr lang="en-US" sz="2400" b="0" cap="all" dirty="0">
+                <a:ln w="3175" cmpd="sng">
+                  <a:noFill/>
+                </a:ln>
                 <a:solidFill>
                   <a:schemeClr val="tx1"/>
                 </a:solidFill>
+                <a:effectLst/>
               </a:defRPr>
             </a:lvl1pPr>
-            <a:lvl2pPr marL="457200" indent="0">
-              <a:buNone/>
-              <a:defRPr sz="1800">
-                <a:solidFill>
-                  <a:schemeClr val="tx1">
-                    <a:tint val="75000"/>
-                  </a:schemeClr>
-                </a:solidFill>
-              </a:defRPr>
-            </a:lvl2pPr>
-            <a:lvl3pPr marL="914400" indent="0">
-              <a:buNone/>
-              <a:defRPr sz="1600">
-                <a:solidFill>
-                  <a:schemeClr val="tx1">
-                    <a:tint val="75000"/>
-                  </a:schemeClr>
-                </a:solidFill>
-              </a:defRPr>
-            </a:lvl3pPr>
-            <a:lvl4pPr marL="1371600" indent="0">
-              <a:buNone/>
-              <a:defRPr sz="1400">
-                <a:solidFill>
-                  <a:schemeClr val="tx1">
-                    <a:tint val="75000"/>
-                  </a:schemeClr>
-                </a:solidFill>
-              </a:defRPr>
-            </a:lvl4pPr>
-            <a:lvl5pPr marL="1828800" indent="0">
-              <a:buNone/>
-              <a:defRPr sz="1400">
-                <a:solidFill>
-                  <a:schemeClr val="tx1">
-                    <a:tint val="75000"/>
-                  </a:schemeClr>
-                </a:solidFill>
-              </a:defRPr>
-            </a:lvl5pPr>
-            <a:lvl6pPr marL="2286000" indent="0">
-              <a:buNone/>
-              <a:defRPr sz="1400">
-                <a:solidFill>
-                  <a:schemeClr val="tx1">
-                    <a:tint val="75000"/>
-                  </a:schemeClr>
-                </a:solidFill>
-              </a:defRPr>
-            </a:lvl6pPr>
-            <a:lvl7pPr marL="2743200" indent="0">
-              <a:buNone/>
-              <a:defRPr sz="1400">
-                <a:solidFill>
-                  <a:schemeClr val="tx1">
-                    <a:tint val="75000"/>
-                  </a:schemeClr>
-                </a:solidFill>
-              </a:defRPr>
-            </a:lvl7pPr>
-            <a:lvl8pPr marL="3200400" indent="0">
-              <a:buNone/>
-              <a:defRPr sz="1400">
-                <a:solidFill>
-                  <a:schemeClr val="tx1">
-                    <a:tint val="75000"/>
-                  </a:schemeClr>
-                </a:solidFill>
-              </a:defRPr>
-            </a:lvl8pPr>
-            <a:lvl9pPr marL="3657600" indent="0">
-              <a:buNone/>
-              <a:defRPr sz="1400">
-                <a:solidFill>
-                  <a:schemeClr val="tx1">
-                    <a:tint val="75000"/>
-                  </a:schemeClr>
-                </a:solidFill>
-              </a:defRPr>
-            </a:lvl9pPr>
           </a:lstStyle>
           <a:p>
-            <a:pPr lvl="0"/>
+            <a:pPr marL="0" lvl="0">
+              <a:spcBef>
+                <a:spcPct val="0"/>
+              </a:spcBef>
+              <a:buNone/>
+            </a:pPr>
             <a:r>
               <a:rPr lang="es-ES"/>
               <a:t>Haga clic para modificar los estilos de texto del patrón</a:t>
@@ -1873,8 +1798,8 @@
         </p:nvSpPr>
         <p:spPr>
           <a:xfrm>
-            <a:off x="1295401" y="4529667"/>
-            <a:ext cx="9609668" cy="1346200"/>
+            <a:off x="684211" y="4978400"/>
+            <a:ext cx="8534401" cy="1016000"/>
           </a:xfrm>
         </p:spPr>
         <p:txBody>
@@ -1886,7 +1811,9 @@
               <a:buNone/>
               <a:defRPr sz="1800">
                 <a:solidFill>
-                  <a:schemeClr val="tx1"/>
+                  <a:schemeClr val="bg2">
+                    <a:lumMod val="75000"/>
+                  </a:schemeClr>
                 </a:solidFill>
               </a:defRPr>
             </a:lvl1pPr>
@@ -1997,7 +1924,7 @@
           <a:p>
             <a:fld id="{F72A63ED-A474-4EED-92B8-EA8361CA006A}" type="datetimeFigureOut">
               <a:rPr lang="es-MX" smtClean="0"/>
-              <a:t>25/11/2025</a:t>
+              <a:t>14/12/2025</a:t>
             </a:fld>
             <a:endParaRPr lang="es-MX"/>
           </a:p>
@@ -2047,13 +1974,47 @@
       </p:sp>
       <p:sp>
         <p:nvSpPr>
+          <p:cNvPr id="11" name="TextBox 10"/>
+          <p:cNvSpPr txBox="1"/>
+          <p:nvPr/>
+        </p:nvSpPr>
+        <p:spPr>
+          <a:xfrm>
+            <a:off x="531812" y="812222"/>
+            <a:ext cx="609600" cy="584776"/>
+          </a:xfrm>
+          <a:prstGeom prst="rect">
+            <a:avLst/>
+          </a:prstGeom>
+        </p:spPr>
+        <p:txBody>
+          <a:bodyPr vert="horz" lIns="91440" tIns="45720" rIns="91440" bIns="45720" rtlCol="0" anchor="ctr">
+            <a:noAutofit/>
+          </a:bodyPr>
+          <a:lstStyle/>
+          <a:p>
+            <a:pPr lvl="0"/>
+            <a:r>
+              <a:rPr lang="en-US" sz="8000" dirty="0">
+                <a:solidFill>
+                  <a:schemeClr val="tx1"/>
+                </a:solidFill>
+                <a:effectLst/>
+              </a:rPr>
+              <a:t>“</a:t>
+            </a:r>
+          </a:p>
+        </p:txBody>
+      </p:sp>
+      <p:sp>
+        <p:nvSpPr>
           <p:cNvPr id="12" name="TextBox 11"/>
           <p:cNvSpPr txBox="1"/>
           <p:nvPr/>
         </p:nvSpPr>
         <p:spPr>
           <a:xfrm>
-            <a:off x="862013" y="879961"/>
+            <a:off x="10285412" y="2768601"/>
             <a:ext cx="609600" cy="584776"/>
           </a:xfrm>
           <a:prstGeom prst="rect">
@@ -2066,40 +2027,6 @@
           </a:bodyPr>
           <a:lstStyle/>
           <a:p>
-            <a:pPr lvl="0"/>
-            <a:r>
-              <a:rPr lang="en-US" sz="8000" dirty="0">
-                <a:solidFill>
-                  <a:schemeClr val="tx1"/>
-                </a:solidFill>
-                <a:effectLst/>
-              </a:rPr>
-              <a:t>“</a:t>
-            </a:r>
-          </a:p>
-        </p:txBody>
-      </p:sp>
-      <p:sp>
-        <p:nvSpPr>
-          <p:cNvPr id="13" name="TextBox 12"/>
-          <p:cNvSpPr txBox="1"/>
-          <p:nvPr/>
-        </p:nvSpPr>
-        <p:spPr>
-          <a:xfrm>
-            <a:off x="10600267" y="2599261"/>
-            <a:ext cx="609600" cy="584776"/>
-          </a:xfrm>
-          <a:prstGeom prst="rect">
-            <a:avLst/>
-          </a:prstGeom>
-        </p:spPr>
-        <p:txBody>
-          <a:bodyPr vert="horz" lIns="91440" tIns="45720" rIns="91440" bIns="45720" rtlCol="0" anchor="ctr">
-            <a:noAutofit/>
-          </a:bodyPr>
-          <a:lstStyle/>
-          <a:p>
             <a:pPr lvl="0" algn="r"/>
             <a:r>
               <a:rPr lang="en-US" sz="8000" dirty="0">
@@ -2113,48 +2040,10 @@
           </a:p>
         </p:txBody>
       </p:sp>
-      <p:cxnSp>
-        <p:nvCxnSpPr>
-          <p:cNvPr id="26" name="Straight Connector 25"/>
-          <p:cNvCxnSpPr/>
-          <p:nvPr/>
-        </p:nvCxnSpPr>
-        <p:spPr>
-          <a:xfrm>
-            <a:off x="1396169" y="3429000"/>
-            <a:ext cx="9407298" cy="0"/>
-          </a:xfrm>
-          <a:prstGeom prst="line">
-            <a:avLst/>
-          </a:prstGeom>
-          <a:ln w="15875">
-            <a:solidFill>
-              <a:schemeClr val="accent1">
-                <a:lumMod val="60000"/>
-                <a:lumOff val="40000"/>
-              </a:schemeClr>
-            </a:solidFill>
-          </a:ln>
-        </p:spPr>
-        <p:style>
-          <a:lnRef idx="2">
-            <a:schemeClr val="accent1"/>
-          </a:lnRef>
-          <a:fillRef idx="0">
-            <a:schemeClr val="accent1"/>
-          </a:fillRef>
-          <a:effectRef idx="1">
-            <a:schemeClr val="accent1"/>
-          </a:effectRef>
-          <a:fontRef idx="minor">
-            <a:schemeClr val="tx1"/>
-          </a:fontRef>
-        </p:style>
-      </p:cxnSp>
     </p:spTree>
     <p:extLst>
       <p:ext uri="{BB962C8B-B14F-4D97-AF65-F5344CB8AC3E}">
-        <p14:creationId xmlns:p14="http://schemas.microsoft.com/office/powerpoint/2010/main" val="3507429697"/>
+        <p14:creationId xmlns:p14="http://schemas.microsoft.com/office/powerpoint/2010/main" val="3913604793"/>
       </p:ext>
     </p:extLst>
   </p:cSld>
@@ -2193,8 +2082,8 @@
         </p:nvSpPr>
         <p:spPr>
           <a:xfrm>
-            <a:off x="1295401" y="982132"/>
-            <a:ext cx="9609666" cy="2243668"/>
+            <a:off x="684213" y="685800"/>
+            <a:ext cx="10058400" cy="2743200"/>
           </a:xfrm>
         </p:spPr>
         <p:txBody>
@@ -2218,119 +2107,45 @@
       </p:sp>
       <p:sp>
         <p:nvSpPr>
-          <p:cNvPr id="11" name="Text Placeholder 2"/>
-          <p:cNvSpPr>
-            <a:spLocks noGrp="1"/>
-          </p:cNvSpPr>
-          <p:nvPr>
-            <p:ph type="body" idx="13"/>
+          <p:cNvPr id="10" name="Text Placeholder 9"/>
+          <p:cNvSpPr>
+            <a:spLocks noGrp="1"/>
+          </p:cNvSpPr>
+          <p:nvPr>
+            <p:ph type="body" sz="quarter" idx="13"/>
           </p:nvPr>
         </p:nvSpPr>
         <p:spPr>
           <a:xfrm>
-            <a:off x="1295401" y="3630168"/>
-            <a:ext cx="9609668" cy="841248"/>
-          </a:xfrm>
-        </p:spPr>
-        <p:txBody>
-          <a:bodyPr anchor="b">
+            <a:off x="684212" y="3928534"/>
+            <a:ext cx="8534400" cy="838200"/>
+          </a:xfrm>
+        </p:spPr>
+        <p:txBody>
+          <a:bodyPr vert="horz" lIns="91440" tIns="45720" rIns="91440" bIns="45720" rtlCol="0" anchor="b">
             <a:normAutofit/>
           </a:bodyPr>
           <a:lstStyle>
-            <a:lvl1pPr marL="0" indent="0" algn="l">
-              <a:spcBef>
-                <a:spcPts val="0"/>
-              </a:spcBef>
-              <a:buNone/>
-              <a:defRPr sz="2800">
+            <a:lvl1pPr>
+              <a:buNone/>
+              <a:defRPr lang="en-US" sz="2400" b="0" cap="all" dirty="0">
+                <a:ln w="3175" cmpd="sng">
+                  <a:noFill/>
+                </a:ln>
                 <a:solidFill>
                   <a:schemeClr val="tx1"/>
                 </a:solidFill>
+                <a:effectLst/>
               </a:defRPr>
             </a:lvl1pPr>
-            <a:lvl2pPr marL="457200" indent="0">
-              <a:buNone/>
-              <a:defRPr sz="1800">
-                <a:solidFill>
-                  <a:schemeClr val="tx1">
-                    <a:tint val="75000"/>
-                  </a:schemeClr>
-                </a:solidFill>
-              </a:defRPr>
-            </a:lvl2pPr>
-            <a:lvl3pPr marL="914400" indent="0">
-              <a:buNone/>
-              <a:defRPr sz="1600">
-                <a:solidFill>
-                  <a:schemeClr val="tx1">
-                    <a:tint val="75000"/>
-                  </a:schemeClr>
-                </a:solidFill>
-              </a:defRPr>
-            </a:lvl3pPr>
-            <a:lvl4pPr marL="1371600" indent="0">
-              <a:buNone/>
-              <a:defRPr sz="1400">
-                <a:solidFill>
-                  <a:schemeClr val="tx1">
-                    <a:tint val="75000"/>
-                  </a:schemeClr>
-                </a:solidFill>
-              </a:defRPr>
-            </a:lvl4pPr>
-            <a:lvl5pPr marL="1828800" indent="0">
-              <a:buNone/>
-              <a:defRPr sz="1400">
-                <a:solidFill>
-                  <a:schemeClr val="tx1">
-                    <a:tint val="75000"/>
-                  </a:schemeClr>
-                </a:solidFill>
-              </a:defRPr>
-            </a:lvl5pPr>
-            <a:lvl6pPr marL="2286000" indent="0">
-              <a:buNone/>
-              <a:defRPr sz="1400">
-                <a:solidFill>
-                  <a:schemeClr val="tx1">
-                    <a:tint val="75000"/>
-                  </a:schemeClr>
-                </a:solidFill>
-              </a:defRPr>
-            </a:lvl6pPr>
-            <a:lvl7pPr marL="2743200" indent="0">
-              <a:buNone/>
-              <a:defRPr sz="1400">
-                <a:solidFill>
-                  <a:schemeClr val="tx1">
-                    <a:tint val="75000"/>
-                  </a:schemeClr>
-                </a:solidFill>
-              </a:defRPr>
-            </a:lvl7pPr>
-            <a:lvl8pPr marL="3200400" indent="0">
-              <a:buNone/>
-              <a:defRPr sz="1400">
-                <a:solidFill>
-                  <a:schemeClr val="tx1">
-                    <a:tint val="75000"/>
-                  </a:schemeClr>
-                </a:solidFill>
-              </a:defRPr>
-            </a:lvl8pPr>
-            <a:lvl9pPr marL="3657600" indent="0">
-              <a:buNone/>
-              <a:defRPr sz="1400">
-                <a:solidFill>
-                  <a:schemeClr val="tx1">
-                    <a:tint val="75000"/>
-                  </a:schemeClr>
-                </a:solidFill>
-              </a:defRPr>
-            </a:lvl9pPr>
           </a:lstStyle>
           <a:p>
-            <a:pPr lvl="0"/>
+            <a:pPr marL="0" lvl="0">
+              <a:spcBef>
+                <a:spcPct val="0"/>
+              </a:spcBef>
+              <a:buNone/>
+            </a:pPr>
             <a:r>
               <a:rPr lang="es-ES"/>
               <a:t>Haga clic para modificar los estilos de texto del patrón</a:t>
@@ -2350,8 +2165,8 @@
         </p:nvSpPr>
         <p:spPr>
           <a:xfrm>
-            <a:off x="1295400" y="4470399"/>
-            <a:ext cx="9609670" cy="1405467"/>
+            <a:off x="684211" y="4766732"/>
+            <a:ext cx="8534401" cy="1227667"/>
           </a:xfrm>
         </p:spPr>
         <p:txBody>
@@ -2363,7 +2178,9 @@
               <a:buNone/>
               <a:defRPr sz="1800">
                 <a:solidFill>
-                  <a:schemeClr val="tx1"/>
+                  <a:schemeClr val="bg2">
+                    <a:lumMod val="75000"/>
+                  </a:schemeClr>
                 </a:solidFill>
               </a:defRPr>
             </a:lvl1pPr>
@@ -2474,7 +2291,7 @@
           <a:p>
             <a:fld id="{F72A63ED-A474-4EED-92B8-EA8361CA006A}" type="datetimeFigureOut">
               <a:rPr lang="es-MX" smtClean="0"/>
-              <a:t>25/11/2025</a:t>
+              <a:t>14/12/2025</a:t>
             </a:fld>
             <a:endParaRPr lang="es-MX"/>
           </a:p>
@@ -2522,48 +2339,10 @@
           </a:p>
         </p:txBody>
       </p:sp>
-      <p:cxnSp>
-        <p:nvCxnSpPr>
-          <p:cNvPr id="15" name="Straight Connector 14"/>
-          <p:cNvCxnSpPr/>
-          <p:nvPr/>
-        </p:nvCxnSpPr>
-        <p:spPr>
-          <a:xfrm>
-            <a:off x="1396169" y="3429000"/>
-            <a:ext cx="9407298" cy="0"/>
-          </a:xfrm>
-          <a:prstGeom prst="line">
-            <a:avLst/>
-          </a:prstGeom>
-          <a:ln w="15875">
-            <a:solidFill>
-              <a:schemeClr val="accent1">
-                <a:lumMod val="60000"/>
-                <a:lumOff val="40000"/>
-              </a:schemeClr>
-            </a:solidFill>
-          </a:ln>
-        </p:spPr>
-        <p:style>
-          <a:lnRef idx="2">
-            <a:schemeClr val="accent1"/>
-          </a:lnRef>
-          <a:fillRef idx="0">
-            <a:schemeClr val="accent1"/>
-          </a:fillRef>
-          <a:effectRef idx="1">
-            <a:schemeClr val="accent1"/>
-          </a:effectRef>
-          <a:fontRef idx="minor">
-            <a:schemeClr val="tx1"/>
-          </a:fontRef>
-        </p:style>
-      </p:cxnSp>
     </p:spTree>
     <p:extLst>
       <p:ext uri="{BB962C8B-B14F-4D97-AF65-F5344CB8AC3E}">
-        <p14:creationId xmlns:p14="http://schemas.microsoft.com/office/powerpoint/2010/main" val="2301024630"/>
+        <p14:creationId xmlns:p14="http://schemas.microsoft.com/office/powerpoint/2010/main" val="4041651203"/>
       </p:ext>
     </p:extLst>
   </p:cSld>
@@ -2604,7 +2383,7 @@
         <p:txBody>
           <a:bodyPr/>
           <a:lstStyle>
-            <a:lvl1pPr algn="ctr">
+            <a:lvl1pPr algn="l">
               <a:defRPr/>
             </a:lvl1pPr>
           </a:lstStyle>
@@ -2686,7 +2465,7 @@
           <a:p>
             <a:fld id="{F72A63ED-A474-4EED-92B8-EA8361CA006A}" type="datetimeFigureOut">
               <a:rPr lang="es-MX" smtClean="0"/>
-              <a:t>25/11/2025</a:t>
+              <a:t>14/12/2025</a:t>
             </a:fld>
             <a:endParaRPr lang="es-MX"/>
           </a:p>
@@ -2734,48 +2513,10 @@
           </a:p>
         </p:txBody>
       </p:sp>
-      <p:cxnSp>
-        <p:nvCxnSpPr>
-          <p:cNvPr id="14" name="Straight Connector 13"/>
-          <p:cNvCxnSpPr/>
-          <p:nvPr/>
-        </p:nvCxnSpPr>
-        <p:spPr>
-          <a:xfrm>
-            <a:off x="1396169" y="2421466"/>
-            <a:ext cx="9407298" cy="0"/>
-          </a:xfrm>
-          <a:prstGeom prst="line">
-            <a:avLst/>
-          </a:prstGeom>
-          <a:ln w="15875">
-            <a:solidFill>
-              <a:schemeClr val="accent1">
-                <a:lumMod val="60000"/>
-                <a:lumOff val="40000"/>
-              </a:schemeClr>
-            </a:solidFill>
-          </a:ln>
-        </p:spPr>
-        <p:style>
-          <a:lnRef idx="2">
-            <a:schemeClr val="accent1"/>
-          </a:lnRef>
-          <a:fillRef idx="0">
-            <a:schemeClr val="accent1"/>
-          </a:fillRef>
-          <a:effectRef idx="1">
-            <a:schemeClr val="accent1"/>
-          </a:effectRef>
-          <a:fontRef idx="minor">
-            <a:schemeClr val="tx1"/>
-          </a:fontRef>
-        </p:style>
-      </p:cxnSp>
     </p:spTree>
     <p:extLst>
       <p:ext uri="{BB962C8B-B14F-4D97-AF65-F5344CB8AC3E}">
-        <p14:creationId xmlns:p14="http://schemas.microsoft.com/office/powerpoint/2010/main" val="3077381421"/>
+        <p14:creationId xmlns:p14="http://schemas.microsoft.com/office/powerpoint/2010/main" val="3019698669"/>
       </p:ext>
     </p:extLst>
   </p:cSld>
@@ -2814,8 +2555,8 @@
         </p:nvSpPr>
         <p:spPr>
           <a:xfrm>
-            <a:off x="8999356" y="982131"/>
-            <a:ext cx="1890895" cy="4893735"/>
+            <a:off x="8685212" y="685800"/>
+            <a:ext cx="2057400" cy="4572000"/>
           </a:xfrm>
         </p:spPr>
         <p:txBody>
@@ -2842,8 +2583,8 @@
         </p:nvSpPr>
         <p:spPr>
           <a:xfrm>
-            <a:off x="1295398" y="982132"/>
-            <a:ext cx="7433025" cy="4893734"/>
+            <a:off x="685800" y="685800"/>
+            <a:ext cx="7823200" cy="5308600"/>
           </a:xfrm>
         </p:spPr>
         <p:txBody>
@@ -2904,7 +2645,7 @@
           <a:p>
             <a:fld id="{F72A63ED-A474-4EED-92B8-EA8361CA006A}" type="datetimeFigureOut">
               <a:rPr lang="es-MX" smtClean="0"/>
-              <a:t>25/11/2025</a:t>
+              <a:t>14/12/2025</a:t>
             </a:fld>
             <a:endParaRPr lang="es-MX"/>
           </a:p>
@@ -2952,48 +2693,10 @@
           </a:p>
         </p:txBody>
       </p:sp>
-      <p:cxnSp>
-        <p:nvCxnSpPr>
-          <p:cNvPr id="14" name="Straight Connector 13"/>
-          <p:cNvCxnSpPr/>
-          <p:nvPr/>
-        </p:nvCxnSpPr>
-        <p:spPr>
-          <a:xfrm>
-            <a:off x="8863890" y="990600"/>
-            <a:ext cx="0" cy="4876800"/>
-          </a:xfrm>
-          <a:prstGeom prst="line">
-            <a:avLst/>
-          </a:prstGeom>
-          <a:ln w="15875">
-            <a:solidFill>
-              <a:schemeClr val="accent1">
-                <a:lumMod val="60000"/>
-                <a:lumOff val="40000"/>
-              </a:schemeClr>
-            </a:solidFill>
-          </a:ln>
-        </p:spPr>
-        <p:style>
-          <a:lnRef idx="2">
-            <a:schemeClr val="accent1"/>
-          </a:lnRef>
-          <a:fillRef idx="0">
-            <a:schemeClr val="accent1"/>
-          </a:fillRef>
-          <a:effectRef idx="1">
-            <a:schemeClr val="accent1"/>
-          </a:effectRef>
-          <a:fontRef idx="minor">
-            <a:schemeClr val="tx1"/>
-          </a:fontRef>
-        </p:style>
-      </p:cxnSp>
     </p:spTree>
     <p:extLst>
       <p:ext uri="{BB962C8B-B14F-4D97-AF65-F5344CB8AC3E}">
-        <p14:creationId xmlns:p14="http://schemas.microsoft.com/office/powerpoint/2010/main" val="1201868619"/>
+        <p14:creationId xmlns:p14="http://schemas.microsoft.com/office/powerpoint/2010/main" val="1294500086"/>
       </p:ext>
     </p:extLst>
   </p:cSld>
@@ -3020,44 +2723,6 @@
           <a:chExt cx="0" cy="0"/>
         </a:xfrm>
       </p:grpSpPr>
-      <p:cxnSp>
-        <p:nvCxnSpPr>
-          <p:cNvPr id="7" name="Straight Connector 6"/>
-          <p:cNvCxnSpPr/>
-          <p:nvPr/>
-        </p:nvCxnSpPr>
-        <p:spPr>
-          <a:xfrm>
-            <a:off x="1396169" y="2421466"/>
-            <a:ext cx="9407298" cy="0"/>
-          </a:xfrm>
-          <a:prstGeom prst="line">
-            <a:avLst/>
-          </a:prstGeom>
-          <a:ln>
-            <a:solidFill>
-              <a:schemeClr val="accent1">
-                <a:lumMod val="60000"/>
-                <a:lumOff val="40000"/>
-              </a:schemeClr>
-            </a:solidFill>
-          </a:ln>
-        </p:spPr>
-        <p:style>
-          <a:lnRef idx="2">
-            <a:schemeClr val="accent1"/>
-          </a:lnRef>
-          <a:fillRef idx="0">
-            <a:schemeClr val="accent1"/>
-          </a:fillRef>
-          <a:effectRef idx="1">
-            <a:schemeClr val="accent1"/>
-          </a:effectRef>
-          <a:fontRef idx="minor">
-            <a:schemeClr val="tx1"/>
-          </a:fontRef>
-        </p:style>
-      </p:cxnSp>
       <p:sp>
         <p:nvSpPr>
           <p:cNvPr id="2" name="Title 1"/>
@@ -3093,7 +2758,7 @@
         </p:nvSpPr>
         <p:spPr/>
         <p:txBody>
-          <a:bodyPr/>
+          <a:bodyPr anchor="ctr"/>
           <a:lstStyle/>
           <a:p>
             <a:pPr lvl="0"/>
@@ -3150,7 +2815,7 @@
           <a:p>
             <a:fld id="{F72A63ED-A474-4EED-92B8-EA8361CA006A}" type="datetimeFigureOut">
               <a:rPr lang="es-MX" smtClean="0"/>
-              <a:t>25/11/2025</a:t>
+              <a:t>14/12/2025</a:t>
             </a:fld>
             <a:endParaRPr lang="es-MX"/>
           </a:p>
@@ -3201,7 +2866,7 @@
     </p:spTree>
     <p:extLst>
       <p:ext uri="{BB962C8B-B14F-4D97-AF65-F5344CB8AC3E}">
-        <p14:creationId xmlns:p14="http://schemas.microsoft.com/office/powerpoint/2010/main" val="554677691"/>
+        <p14:creationId xmlns:p14="http://schemas.microsoft.com/office/powerpoint/2010/main" val="2989690404"/>
       </p:ext>
     </p:extLst>
   </p:cSld>
@@ -3240,8 +2905,8 @@
         </p:nvSpPr>
         <p:spPr>
           <a:xfrm>
-            <a:off x="2015069" y="1752606"/>
-            <a:ext cx="8158688" cy="1822514"/>
+            <a:off x="684211" y="2006600"/>
+            <a:ext cx="8534401" cy="2281600"/>
           </a:xfrm>
         </p:spPr>
         <p:txBody>
@@ -3249,8 +2914,8 @@
             <a:normAutofit/>
           </a:bodyPr>
           <a:lstStyle>
-            <a:lvl1pPr algn="ctr">
-              <a:defRPr sz="4400" b="0" cap="none"/>
+            <a:lvl1pPr algn="l">
+              <a:defRPr sz="3600" b="0" cap="all"/>
             </a:lvl1pPr>
           </a:lstStyle>
           <a:p>
@@ -3274,8 +2939,8 @@
         </p:nvSpPr>
         <p:spPr>
           <a:xfrm>
-            <a:off x="2015067" y="3846051"/>
-            <a:ext cx="8158690" cy="954547"/>
+            <a:off x="684213" y="4495800"/>
+            <a:ext cx="8534400" cy="1498600"/>
           </a:xfrm>
         </p:spPr>
         <p:txBody>
@@ -3283,11 +2948,13 @@
             <a:normAutofit/>
           </a:bodyPr>
           <a:lstStyle>
-            <a:lvl1pPr marL="0" indent="0" algn="ctr">
-              <a:buNone/>
-              <a:defRPr sz="2400">
-                <a:solidFill>
-                  <a:schemeClr val="tx1"/>
+            <a:lvl1pPr marL="0" indent="0" algn="l">
+              <a:buNone/>
+              <a:defRPr sz="1800">
+                <a:solidFill>
+                  <a:schemeClr val="bg2">
+                    <a:lumMod val="75000"/>
+                  </a:schemeClr>
                 </a:solidFill>
               </a:defRPr>
             </a:lvl1pPr>
@@ -3398,7 +3065,7 @@
           <a:p>
             <a:fld id="{F72A63ED-A474-4EED-92B8-EA8361CA006A}" type="datetimeFigureOut">
               <a:rPr lang="es-MX" smtClean="0"/>
-              <a:t>25/11/2025</a:t>
+              <a:t>14/12/2025</a:t>
             </a:fld>
             <a:endParaRPr lang="es-MX"/>
           </a:p>
@@ -3446,48 +3113,10 @@
           </a:p>
         </p:txBody>
       </p:sp>
-      <p:cxnSp>
-        <p:nvCxnSpPr>
-          <p:cNvPr id="16" name="Straight Connector 15"/>
-          <p:cNvCxnSpPr/>
-          <p:nvPr/>
-        </p:nvCxnSpPr>
-        <p:spPr>
-          <a:xfrm>
-            <a:off x="2012723" y="3710585"/>
-            <a:ext cx="8163380" cy="0"/>
-          </a:xfrm>
-          <a:prstGeom prst="line">
-            <a:avLst/>
-          </a:prstGeom>
-          <a:ln w="15875">
-            <a:solidFill>
-              <a:schemeClr val="accent1">
-                <a:lumMod val="60000"/>
-                <a:lumOff val="40000"/>
-              </a:schemeClr>
-            </a:solidFill>
-          </a:ln>
-        </p:spPr>
-        <p:style>
-          <a:lnRef idx="2">
-            <a:schemeClr val="accent1"/>
-          </a:lnRef>
-          <a:fillRef idx="0">
-            <a:schemeClr val="accent1"/>
-          </a:fillRef>
-          <a:effectRef idx="1">
-            <a:schemeClr val="accent1"/>
-          </a:effectRef>
-          <a:fontRef idx="minor">
-            <a:schemeClr val="tx1"/>
-          </a:fontRef>
-        </p:style>
-      </p:cxnSp>
     </p:spTree>
     <p:extLst>
       <p:ext uri="{BB962C8B-B14F-4D97-AF65-F5344CB8AC3E}">
-        <p14:creationId xmlns:p14="http://schemas.microsoft.com/office/powerpoint/2010/main" val="4022571651"/>
+        <p14:creationId xmlns:p14="http://schemas.microsoft.com/office/powerpoint/2010/main" val="3859075196"/>
       </p:ext>
     </p:extLst>
   </p:cSld>
@@ -3514,81 +3143,43 @@
           <a:chExt cx="0" cy="0"/>
         </a:xfrm>
       </p:grpSpPr>
-      <p:cxnSp>
-        <p:nvCxnSpPr>
-          <p:cNvPr id="8" name="Straight Connector 7"/>
-          <p:cNvCxnSpPr/>
-          <p:nvPr/>
-        </p:nvCxnSpPr>
+      <p:sp>
+        <p:nvSpPr>
+          <p:cNvPr id="2" name="Title 1"/>
+          <p:cNvSpPr>
+            <a:spLocks noGrp="1"/>
+          </p:cNvSpPr>
+          <p:nvPr>
+            <p:ph type="title"/>
+          </p:nvPr>
+        </p:nvSpPr>
+        <p:spPr/>
+        <p:txBody>
+          <a:bodyPr/>
+          <a:lstStyle/>
+          <a:p>
+            <a:r>
+              <a:rPr lang="es-ES"/>
+              <a:t>Haga clic para modificar el estilo de título del patrón</a:t>
+            </a:r>
+            <a:endParaRPr lang="en-US" dirty="0"/>
+          </a:p>
+        </p:txBody>
+      </p:sp>
+      <p:sp>
+        <p:nvSpPr>
+          <p:cNvPr id="3" name="Content Placeholder 2"/>
+          <p:cNvSpPr>
+            <a:spLocks noGrp="1"/>
+          </p:cNvSpPr>
+          <p:nvPr>
+            <p:ph sz="half" idx="1"/>
+          </p:nvPr>
+        </p:nvSpPr>
         <p:spPr>
           <a:xfrm>
-            <a:off x="1396169" y="2421466"/>
-            <a:ext cx="9407298" cy="0"/>
-          </a:xfrm>
-          <a:prstGeom prst="line">
-            <a:avLst/>
-          </a:prstGeom>
-          <a:ln w="15875">
-            <a:solidFill>
-              <a:schemeClr val="accent1">
-                <a:lumMod val="60000"/>
-                <a:lumOff val="40000"/>
-              </a:schemeClr>
-            </a:solidFill>
-          </a:ln>
-        </p:spPr>
-        <p:style>
-          <a:lnRef idx="2">
-            <a:schemeClr val="accent1"/>
-          </a:lnRef>
-          <a:fillRef idx="0">
-            <a:schemeClr val="accent1"/>
-          </a:fillRef>
-          <a:effectRef idx="1">
-            <a:schemeClr val="accent1"/>
-          </a:effectRef>
-          <a:fontRef idx="minor">
-            <a:schemeClr val="tx1"/>
-          </a:fontRef>
-        </p:style>
-      </p:cxnSp>
-      <p:sp>
-        <p:nvSpPr>
-          <p:cNvPr id="2" name="Title 1"/>
-          <p:cNvSpPr>
-            <a:spLocks noGrp="1"/>
-          </p:cNvSpPr>
-          <p:nvPr>
-            <p:ph type="title"/>
-          </p:nvPr>
-        </p:nvSpPr>
-        <p:spPr/>
-        <p:txBody>
-          <a:bodyPr/>
-          <a:lstStyle/>
-          <a:p>
-            <a:r>
-              <a:rPr lang="es-ES"/>
-              <a:t>Haga clic para modificar el estilo de título del patrón</a:t>
-            </a:r>
-            <a:endParaRPr lang="en-US" dirty="0"/>
-          </a:p>
-        </p:txBody>
-      </p:sp>
-      <p:sp>
-        <p:nvSpPr>
-          <p:cNvPr id="3" name="Content Placeholder 2"/>
-          <p:cNvSpPr>
-            <a:spLocks noGrp="1"/>
-          </p:cNvSpPr>
-          <p:nvPr>
-            <p:ph sz="half" idx="1"/>
-          </p:nvPr>
-        </p:nvSpPr>
-        <p:spPr>
-          <a:xfrm>
-            <a:off x="1298448" y="2560320"/>
-            <a:ext cx="4718304" cy="3310128"/>
+            <a:off x="684211" y="685800"/>
+            <a:ext cx="4937655" cy="3615267"/>
           </a:xfrm>
         </p:spPr>
         <p:txBody>
@@ -3646,8 +3237,8 @@
         </p:nvSpPr>
         <p:spPr>
           <a:xfrm>
-            <a:off x="6181344" y="2560320"/>
-            <a:ext cx="4718304" cy="3310128"/>
+            <a:off x="5808133" y="685801"/>
+            <a:ext cx="4934479" cy="3615266"/>
           </a:xfrm>
         </p:spPr>
         <p:txBody>
@@ -3710,7 +3301,7 @@
           <a:p>
             <a:fld id="{F72A63ED-A474-4EED-92B8-EA8361CA006A}" type="datetimeFigureOut">
               <a:rPr lang="es-MX" smtClean="0"/>
-              <a:t>25/11/2025</a:t>
+              <a:t>14/12/2025</a:t>
             </a:fld>
             <a:endParaRPr lang="es-MX"/>
           </a:p>
@@ -3761,7 +3352,7 @@
     </p:spTree>
     <p:extLst>
       <p:ext uri="{BB962C8B-B14F-4D97-AF65-F5344CB8AC3E}">
-        <p14:creationId xmlns:p14="http://schemas.microsoft.com/office/powerpoint/2010/main" val="3676450144"/>
+        <p14:creationId xmlns:p14="http://schemas.microsoft.com/office/powerpoint/2010/main" val="2472581438"/>
       </p:ext>
     </p:extLst>
   </p:cSld>
@@ -3827,8 +3418,8 @@
         </p:nvSpPr>
         <p:spPr>
           <a:xfrm>
-            <a:off x="1295400" y="2658533"/>
-            <a:ext cx="4718304" cy="576262"/>
+            <a:off x="972080" y="685800"/>
+            <a:ext cx="4649787" cy="576262"/>
           </a:xfrm>
         </p:spPr>
         <p:txBody>
@@ -3840,7 +3431,7 @@
               <a:buNone/>
               <a:defRPr sz="2800" b="0">
                 <a:solidFill>
-                  <a:schemeClr val="accent1"/>
+                  <a:schemeClr val="tx1"/>
                 </a:solidFill>
               </a:defRPr>
             </a:lvl1pPr>
@@ -3898,8 +3489,8 @@
         </p:nvSpPr>
         <p:spPr>
           <a:xfrm>
-            <a:off x="1295400" y="3243262"/>
-            <a:ext cx="4718304" cy="2632605"/>
+            <a:off x="684211" y="1270529"/>
+            <a:ext cx="4937655" cy="3030538"/>
           </a:xfrm>
         </p:spPr>
         <p:txBody>
@@ -3957,8 +3548,8 @@
         </p:nvSpPr>
         <p:spPr>
           <a:xfrm>
-            <a:off x="6180671" y="2658533"/>
-            <a:ext cx="4718304" cy="576262"/>
+            <a:off x="6079066" y="685800"/>
+            <a:ext cx="4665134" cy="576262"/>
           </a:xfrm>
         </p:spPr>
         <p:txBody>
@@ -3970,7 +3561,7 @@
               <a:buNone/>
               <a:defRPr sz="2800" b="0">
                 <a:solidFill>
-                  <a:schemeClr val="accent1"/>
+                  <a:schemeClr val="tx1"/>
                 </a:solidFill>
               </a:defRPr>
             </a:lvl1pPr>
@@ -4028,8 +3619,8 @@
         </p:nvSpPr>
         <p:spPr>
           <a:xfrm>
-            <a:off x="6180671" y="3243262"/>
-            <a:ext cx="4718304" cy="2632605"/>
+            <a:off x="5806545" y="1262062"/>
+            <a:ext cx="4929188" cy="3030538"/>
           </a:xfrm>
         </p:spPr>
         <p:txBody>
@@ -4092,7 +3683,7 @@
           <a:p>
             <a:fld id="{F72A63ED-A474-4EED-92B8-EA8361CA006A}" type="datetimeFigureOut">
               <a:rPr lang="es-MX" smtClean="0"/>
-              <a:t>25/11/2025</a:t>
+              <a:t>14/12/2025</a:t>
             </a:fld>
             <a:endParaRPr lang="es-MX"/>
           </a:p>
@@ -4140,48 +3731,10 @@
           </a:p>
         </p:txBody>
       </p:sp>
-      <p:cxnSp>
-        <p:nvCxnSpPr>
-          <p:cNvPr id="18" name="Straight Connector 17"/>
-          <p:cNvCxnSpPr/>
-          <p:nvPr/>
-        </p:nvCxnSpPr>
-        <p:spPr>
-          <a:xfrm>
-            <a:off x="1396169" y="2421466"/>
-            <a:ext cx="9407298" cy="0"/>
-          </a:xfrm>
-          <a:prstGeom prst="line">
-            <a:avLst/>
-          </a:prstGeom>
-          <a:ln w="15875">
-            <a:solidFill>
-              <a:schemeClr val="accent1">
-                <a:lumMod val="60000"/>
-                <a:lumOff val="40000"/>
-              </a:schemeClr>
-            </a:solidFill>
-          </a:ln>
-        </p:spPr>
-        <p:style>
-          <a:lnRef idx="2">
-            <a:schemeClr val="accent1"/>
-          </a:lnRef>
-          <a:fillRef idx="0">
-            <a:schemeClr val="accent1"/>
-          </a:fillRef>
-          <a:effectRef idx="1">
-            <a:schemeClr val="accent1"/>
-          </a:effectRef>
-          <a:fontRef idx="minor">
-            <a:schemeClr val="tx1"/>
-          </a:fontRef>
-        </p:style>
-      </p:cxnSp>
     </p:spTree>
     <p:extLst>
       <p:ext uri="{BB962C8B-B14F-4D97-AF65-F5344CB8AC3E}">
-        <p14:creationId xmlns:p14="http://schemas.microsoft.com/office/powerpoint/2010/main" val="2024243019"/>
+        <p14:creationId xmlns:p14="http://schemas.microsoft.com/office/powerpoint/2010/main" val="209857214"/>
       </p:ext>
     </p:extLst>
   </p:cSld>
@@ -4248,7 +3801,7 @@
           <a:p>
             <a:fld id="{F72A63ED-A474-4EED-92B8-EA8361CA006A}" type="datetimeFigureOut">
               <a:rPr lang="es-MX" smtClean="0"/>
-              <a:t>25/11/2025</a:t>
+              <a:t>14/12/2025</a:t>
             </a:fld>
             <a:endParaRPr lang="es-MX"/>
           </a:p>
@@ -4296,48 +3849,10 @@
           </a:p>
         </p:txBody>
       </p:sp>
-      <p:cxnSp>
-        <p:nvCxnSpPr>
-          <p:cNvPr id="14" name="Straight Connector 13"/>
-          <p:cNvCxnSpPr/>
-          <p:nvPr/>
-        </p:nvCxnSpPr>
-        <p:spPr>
-          <a:xfrm>
-            <a:off x="1396169" y="2421466"/>
-            <a:ext cx="9407298" cy="0"/>
-          </a:xfrm>
-          <a:prstGeom prst="line">
-            <a:avLst/>
-          </a:prstGeom>
-          <a:ln w="15875">
-            <a:solidFill>
-              <a:schemeClr val="accent1">
-                <a:lumMod val="60000"/>
-                <a:lumOff val="40000"/>
-              </a:schemeClr>
-            </a:solidFill>
-          </a:ln>
-        </p:spPr>
-        <p:style>
-          <a:lnRef idx="2">
-            <a:schemeClr val="accent1"/>
-          </a:lnRef>
-          <a:fillRef idx="0">
-            <a:schemeClr val="accent1"/>
-          </a:fillRef>
-          <a:effectRef idx="1">
-            <a:schemeClr val="accent1"/>
-          </a:effectRef>
-          <a:fontRef idx="minor">
-            <a:schemeClr val="tx1"/>
-          </a:fontRef>
-        </p:style>
-      </p:cxnSp>
     </p:spTree>
     <p:extLst>
       <p:ext uri="{BB962C8B-B14F-4D97-AF65-F5344CB8AC3E}">
-        <p14:creationId xmlns:p14="http://schemas.microsoft.com/office/powerpoint/2010/main" val="1393132930"/>
+        <p14:creationId xmlns:p14="http://schemas.microsoft.com/office/powerpoint/2010/main" val="1878646346"/>
       </p:ext>
     </p:extLst>
   </p:cSld>
@@ -4381,7 +3896,7 @@
           <a:p>
             <a:fld id="{F72A63ED-A474-4EED-92B8-EA8361CA006A}" type="datetimeFigureOut">
               <a:rPr lang="es-MX" smtClean="0"/>
-              <a:t>25/11/2025</a:t>
+              <a:t>14/12/2025</a:t>
             </a:fld>
             <a:endParaRPr lang="es-MX"/>
           </a:p>
@@ -4432,7 +3947,7 @@
     </p:spTree>
     <p:extLst>
       <p:ext uri="{BB962C8B-B14F-4D97-AF65-F5344CB8AC3E}">
-        <p14:creationId xmlns:p14="http://schemas.microsoft.com/office/powerpoint/2010/main" val="4046238081"/>
+        <p14:creationId xmlns:p14="http://schemas.microsoft.com/office/powerpoint/2010/main" val="142751142"/>
       </p:ext>
     </p:extLst>
   </p:cSld>
@@ -4471,8 +3986,8 @@
         </p:nvSpPr>
         <p:spPr>
           <a:xfrm>
-            <a:off x="1293811" y="1388534"/>
-            <a:ext cx="3718455" cy="1371600"/>
+            <a:off x="7085012" y="685800"/>
+            <a:ext cx="3657600" cy="1371600"/>
           </a:xfrm>
         </p:spPr>
         <p:txBody>
@@ -4480,7 +3995,7 @@
             <a:normAutofit/>
           </a:bodyPr>
           <a:lstStyle>
-            <a:lvl1pPr algn="ctr">
+            <a:lvl1pPr algn="l">
               <a:defRPr sz="2400" b="0"/>
             </a:lvl1pPr>
           </a:lstStyle>
@@ -4505,8 +4020,8 @@
         </p:nvSpPr>
         <p:spPr>
           <a:xfrm>
-            <a:off x="5418668" y="982131"/>
-            <a:ext cx="5469466" cy="4893735"/>
+            <a:off x="684212" y="685800"/>
+            <a:ext cx="5943601" cy="5308600"/>
           </a:xfrm>
         </p:spPr>
         <p:txBody>
@@ -4564,8 +4079,8 @@
         </p:nvSpPr>
         <p:spPr>
           <a:xfrm>
-            <a:off x="1293811" y="3031065"/>
-            <a:ext cx="3718455" cy="2438404"/>
+            <a:off x="7085012" y="2209799"/>
+            <a:ext cx="3657600" cy="2091267"/>
           </a:xfrm>
         </p:spPr>
         <p:txBody>
@@ -4573,7 +4088,7 @@
             <a:normAutofit/>
           </a:bodyPr>
           <a:lstStyle>
-            <a:lvl1pPr marL="0" indent="0" algn="ctr">
+            <a:lvl1pPr marL="0" indent="0">
               <a:buNone/>
               <a:defRPr sz="1600"/>
             </a:lvl1pPr>
@@ -4636,7 +4151,7 @@
           <a:p>
             <a:fld id="{F72A63ED-A474-4EED-92B8-EA8361CA006A}" type="datetimeFigureOut">
               <a:rPr lang="es-MX" smtClean="0"/>
-              <a:t>25/11/2025</a:t>
+              <a:t>14/12/2025</a:t>
             </a:fld>
             <a:endParaRPr lang="es-MX"/>
           </a:p>
@@ -4684,48 +4199,10 @@
           </a:p>
         </p:txBody>
       </p:sp>
-      <p:cxnSp>
-        <p:nvCxnSpPr>
-          <p:cNvPr id="16" name="Straight Connector 15"/>
-          <p:cNvCxnSpPr/>
-          <p:nvPr/>
-        </p:nvCxnSpPr>
-        <p:spPr>
-          <a:xfrm>
-            <a:off x="1396169" y="2912533"/>
-            <a:ext cx="3514498" cy="0"/>
-          </a:xfrm>
-          <a:prstGeom prst="line">
-            <a:avLst/>
-          </a:prstGeom>
-          <a:ln w="15875">
-            <a:solidFill>
-              <a:schemeClr val="accent1">
-                <a:lumMod val="60000"/>
-                <a:lumOff val="40000"/>
-              </a:schemeClr>
-            </a:solidFill>
-          </a:ln>
-        </p:spPr>
-        <p:style>
-          <a:lnRef idx="2">
-            <a:schemeClr val="accent1"/>
-          </a:lnRef>
-          <a:fillRef idx="0">
-            <a:schemeClr val="accent1"/>
-          </a:fillRef>
-          <a:effectRef idx="1">
-            <a:schemeClr val="accent1"/>
-          </a:effectRef>
-          <a:fontRef idx="minor">
-            <a:schemeClr val="tx1"/>
-          </a:fontRef>
-        </p:style>
-      </p:cxnSp>
     </p:spTree>
     <p:extLst>
       <p:ext uri="{BB962C8B-B14F-4D97-AF65-F5344CB8AC3E}">
-        <p14:creationId xmlns:p14="http://schemas.microsoft.com/office/powerpoint/2010/main" val="893635542"/>
+        <p14:creationId xmlns:p14="http://schemas.microsoft.com/office/powerpoint/2010/main" val="3786080248"/>
       </p:ext>
     </p:extLst>
   </p:cSld>
@@ -4764,8 +4241,8 @@
         </p:nvSpPr>
         <p:spPr>
           <a:xfrm>
-            <a:off x="1295399" y="1883832"/>
-            <a:ext cx="6241816" cy="1371600"/>
+            <a:off x="4722812" y="1447800"/>
+            <a:ext cx="6019800" cy="1143000"/>
           </a:xfrm>
         </p:spPr>
         <p:txBody>
@@ -4773,7 +4250,7 @@
             <a:normAutofit/>
           </a:bodyPr>
           <a:lstStyle>
-            <a:lvl1pPr algn="ctr">
+            <a:lvl1pPr algn="l">
               <a:defRPr sz="2800" b="0"/>
             </a:lvl1pPr>
           </a:lstStyle>
@@ -4788,7 +4265,7 @@
       </p:sp>
       <p:sp>
         <p:nvSpPr>
-          <p:cNvPr id="17" name="Picture Placeholder 2"/>
+          <p:cNvPr id="14" name="Picture Placeholder 2"/>
           <p:cNvSpPr>
             <a:spLocks noGrp="1" noChangeAspect="1"/>
           </p:cNvSpPr>
@@ -4798,22 +4275,21 @@
         </p:nvSpPr>
         <p:spPr>
           <a:xfrm>
-            <a:off x="8094831" y="1041400"/>
-            <a:ext cx="3063347" cy="4775200"/>
-          </a:xfrm>
-          <a:prstGeom prst="roundRect">
+            <a:off x="989012" y="914400"/>
+            <a:ext cx="3280974" cy="4572000"/>
+          </a:xfrm>
+          <a:prstGeom prst="snip2DiagRect">
             <a:avLst>
-              <a:gd name="adj" fmla="val 0"/>
+              <a:gd name="adj1" fmla="val 10815"/>
+              <a:gd name="adj2" fmla="val 0"/>
             </a:avLst>
           </a:prstGeom>
-          <a:ln w="57150" cmpd="thickThin">
+          <a:ln w="15875">
             <a:solidFill>
               <a:schemeClr val="tx1">
-                <a:lumMod val="50000"/>
-                <a:lumOff val="50000"/>
+                <a:alpha val="40000"/>
               </a:schemeClr>
             </a:solidFill>
-            <a:miter lim="800000"/>
           </a:ln>
           <a:effectLst>
             <a:innerShdw blurRad="57150" dist="38100" dir="14460000">
@@ -4886,8 +4362,8 @@
         </p:nvSpPr>
         <p:spPr>
           <a:xfrm>
-            <a:off x="1295399" y="3255432"/>
-            <a:ext cx="6241816" cy="1828800"/>
+            <a:off x="4722812" y="2777066"/>
+            <a:ext cx="6021388" cy="2048933"/>
           </a:xfrm>
         </p:spPr>
         <p:txBody>
@@ -4895,7 +4371,7 @@
             <a:normAutofit/>
           </a:bodyPr>
           <a:lstStyle>
-            <a:lvl1pPr marL="0" indent="0" algn="ctr">
+            <a:lvl1pPr marL="0" indent="0">
               <a:buNone/>
               <a:defRPr sz="1800"/>
             </a:lvl1pPr>
@@ -4958,7 +4434,7 @@
           <a:p>
             <a:fld id="{F72A63ED-A474-4EED-92B8-EA8361CA006A}" type="datetimeFigureOut">
               <a:rPr lang="es-MX" smtClean="0"/>
-              <a:t>25/11/2025</a:t>
+              <a:t>14/12/2025</a:t>
             </a:fld>
             <a:endParaRPr lang="es-MX"/>
           </a:p>
@@ -5009,7 +4485,7 @@
     </p:spTree>
     <p:extLst>
       <p:ext uri="{BB962C8B-B14F-4D97-AF65-F5344CB8AC3E}">
-        <p14:creationId xmlns:p14="http://schemas.microsoft.com/office/powerpoint/2010/main" val="2978006016"/>
+        <p14:creationId xmlns:p14="http://schemas.microsoft.com/office/powerpoint/2010/main" val="3794443520"/>
       </p:ext>
     </p:extLst>
   </p:cSld>
@@ -5023,8 +4499,8 @@
 <p:sldMaster xmlns:a="http://schemas.openxmlformats.org/drawingml/2006/main" xmlns:r="http://schemas.openxmlformats.org/officeDocument/2006/relationships" xmlns:p="http://schemas.openxmlformats.org/presentationml/2006/main">
   <p:cSld>
     <p:bg>
-      <p:bgRef idx="1003">
-        <a:schemeClr val="bg1"/>
+      <p:bgRef idx="1002">
+        <a:schemeClr val="bg2"/>
       </p:bgRef>
     </p:bg>
     <p:spTree>
@@ -5041,36 +4517,196 @@
           <a:chExt cx="0" cy="0"/>
         </a:xfrm>
       </p:grpSpPr>
-      <p:pic>
-        <p:nvPicPr>
-          <p:cNvPr id="7" name="Picture 6" descr="HD-PanelContent-GrommetsCombined.png"/>
-          <p:cNvPicPr>
-            <a:picLocks noChangeAspect="1"/>
-          </p:cNvPicPr>
+      <p:grpSp>
+        <p:nvGrpSpPr>
+          <p:cNvPr id="7" name="Group 6"/>
+          <p:cNvGrpSpPr/>
           <p:nvPr/>
-        </p:nvPicPr>
-        <p:blipFill>
-          <a:blip r:embed="rId19">
-            <a:extLst>
-              <a:ext uri="{28A0092B-C50C-407E-A947-70E740481C1C}">
-                <a14:useLocalDpi xmlns:a14="http://schemas.microsoft.com/office/drawing/2010/main" val="0"/>
-              </a:ext>
-            </a:extLst>
-          </a:blip>
-          <a:stretch>
-            <a:fillRect/>
-          </a:stretch>
-        </p:blipFill>
-        <p:spPr>
+        </p:nvGrpSpPr>
+        <p:grpSpPr>
           <a:xfrm>
-            <a:off x="0" y="0"/>
-            <a:ext cx="12188825" cy="6856214"/>
-          </a:xfrm>
-          <a:prstGeom prst="rect">
-            <a:avLst/>
-          </a:prstGeom>
-        </p:spPr>
-      </p:pic>
+            <a:off x="9206969" y="2963333"/>
+            <a:ext cx="2981858" cy="3208867"/>
+            <a:chOff x="9206969" y="2963333"/>
+            <a:chExt cx="2981858" cy="3208867"/>
+          </a:xfrm>
+        </p:grpSpPr>
+        <p:cxnSp>
+          <p:nvCxnSpPr>
+            <p:cNvPr id="8" name="Straight Connector 7"/>
+            <p:cNvCxnSpPr/>
+            <p:nvPr/>
+          </p:nvCxnSpPr>
+          <p:spPr>
+            <a:xfrm flipH="1">
+              <a:off x="11276012" y="2963333"/>
+              <a:ext cx="912814" cy="912812"/>
+            </a:xfrm>
+            <a:prstGeom prst="line">
+              <a:avLst/>
+            </a:prstGeom>
+            <a:ln w="9525">
+              <a:solidFill>
+                <a:schemeClr val="tx1"/>
+              </a:solidFill>
+            </a:ln>
+          </p:spPr>
+          <p:style>
+            <a:lnRef idx="2">
+              <a:schemeClr val="accent1"/>
+            </a:lnRef>
+            <a:fillRef idx="0">
+              <a:schemeClr val="accent1"/>
+            </a:fillRef>
+            <a:effectRef idx="1">
+              <a:schemeClr val="accent1"/>
+            </a:effectRef>
+            <a:fontRef idx="minor">
+              <a:schemeClr val="tx1"/>
+            </a:fontRef>
+          </p:style>
+        </p:cxnSp>
+        <p:cxnSp>
+          <p:nvCxnSpPr>
+            <p:cNvPr id="9" name="Straight Connector 8"/>
+            <p:cNvCxnSpPr/>
+            <p:nvPr/>
+          </p:nvCxnSpPr>
+          <p:spPr>
+            <a:xfrm flipH="1">
+              <a:off x="9206969" y="3190344"/>
+              <a:ext cx="2981857" cy="2981856"/>
+            </a:xfrm>
+            <a:prstGeom prst="line">
+              <a:avLst/>
+            </a:prstGeom>
+            <a:ln w="9525">
+              <a:solidFill>
+                <a:schemeClr val="tx1"/>
+              </a:solidFill>
+            </a:ln>
+          </p:spPr>
+          <p:style>
+            <a:lnRef idx="2">
+              <a:schemeClr val="accent1"/>
+            </a:lnRef>
+            <a:fillRef idx="0">
+              <a:schemeClr val="accent1"/>
+            </a:fillRef>
+            <a:effectRef idx="1">
+              <a:schemeClr val="accent1"/>
+            </a:effectRef>
+            <a:fontRef idx="minor">
+              <a:schemeClr val="tx1"/>
+            </a:fontRef>
+          </p:style>
+        </p:cxnSp>
+        <p:cxnSp>
+          <p:nvCxnSpPr>
+            <p:cNvPr id="10" name="Straight Connector 9"/>
+            <p:cNvCxnSpPr/>
+            <p:nvPr/>
+          </p:nvCxnSpPr>
+          <p:spPr>
+            <a:xfrm flipH="1">
+              <a:off x="10292292" y="3285067"/>
+              <a:ext cx="1896534" cy="1896533"/>
+            </a:xfrm>
+            <a:prstGeom prst="line">
+              <a:avLst/>
+            </a:prstGeom>
+            <a:ln w="9525">
+              <a:solidFill>
+                <a:schemeClr val="tx1"/>
+              </a:solidFill>
+            </a:ln>
+          </p:spPr>
+          <p:style>
+            <a:lnRef idx="2">
+              <a:schemeClr val="accent1"/>
+            </a:lnRef>
+            <a:fillRef idx="0">
+              <a:schemeClr val="accent1"/>
+            </a:fillRef>
+            <a:effectRef idx="1">
+              <a:schemeClr val="accent1"/>
+            </a:effectRef>
+            <a:fontRef idx="minor">
+              <a:schemeClr val="tx1"/>
+            </a:fontRef>
+          </p:style>
+        </p:cxnSp>
+        <p:cxnSp>
+          <p:nvCxnSpPr>
+            <p:cNvPr id="11" name="Straight Connector 10"/>
+            <p:cNvCxnSpPr/>
+            <p:nvPr/>
+          </p:nvCxnSpPr>
+          <p:spPr>
+            <a:xfrm flipH="1">
+              <a:off x="10443103" y="3131080"/>
+              <a:ext cx="1745722" cy="1745720"/>
+            </a:xfrm>
+            <a:prstGeom prst="line">
+              <a:avLst/>
+            </a:prstGeom>
+            <a:ln w="28575">
+              <a:solidFill>
+                <a:schemeClr val="tx1"/>
+              </a:solidFill>
+            </a:ln>
+          </p:spPr>
+          <p:style>
+            <a:lnRef idx="2">
+              <a:schemeClr val="accent1"/>
+            </a:lnRef>
+            <a:fillRef idx="0">
+              <a:schemeClr val="accent1"/>
+            </a:fillRef>
+            <a:effectRef idx="1">
+              <a:schemeClr val="accent1"/>
+            </a:effectRef>
+            <a:fontRef idx="minor">
+              <a:schemeClr val="tx1"/>
+            </a:fontRef>
+          </p:style>
+        </p:cxnSp>
+        <p:cxnSp>
+          <p:nvCxnSpPr>
+            <p:cNvPr id="12" name="Straight Connector 11"/>
+            <p:cNvCxnSpPr/>
+            <p:nvPr/>
+          </p:nvCxnSpPr>
+          <p:spPr>
+            <a:xfrm flipH="1">
+              <a:off x="10918826" y="3683001"/>
+              <a:ext cx="1270001" cy="1269999"/>
+            </a:xfrm>
+            <a:prstGeom prst="line">
+              <a:avLst/>
+            </a:prstGeom>
+            <a:ln w="28575">
+              <a:solidFill>
+                <a:schemeClr val="tx1"/>
+              </a:solidFill>
+            </a:ln>
+          </p:spPr>
+          <p:style>
+            <a:lnRef idx="2">
+              <a:schemeClr val="accent1"/>
+            </a:lnRef>
+            <a:fillRef idx="0">
+              <a:schemeClr val="accent1"/>
+            </a:fillRef>
+            <a:effectRef idx="1">
+              <a:schemeClr val="accent1"/>
+            </a:effectRef>
+            <a:fontRef idx="minor">
+              <a:schemeClr val="tx1"/>
+            </a:fontRef>
+          </p:style>
+        </p:cxnSp>
+      </p:grpSp>
       <p:sp>
         <p:nvSpPr>
           <p:cNvPr id="2" name="Title Placeholder 1"/>
@@ -5083,8 +4719,8 @@
         </p:nvSpPr>
         <p:spPr>
           <a:xfrm>
-            <a:off x="1295402" y="982132"/>
-            <a:ext cx="9601196" cy="1303867"/>
+            <a:off x="684212" y="4487332"/>
+            <a:ext cx="8534400" cy="1507067"/>
           </a:xfrm>
           <a:prstGeom prst="rect">
             <a:avLst/>
@@ -5117,15 +4753,15 @@
         </p:nvSpPr>
         <p:spPr>
           <a:xfrm>
-            <a:off x="1295401" y="2556932"/>
-            <a:ext cx="9601196" cy="3318936"/>
+            <a:off x="684212" y="685800"/>
+            <a:ext cx="8534400" cy="3615267"/>
           </a:xfrm>
           <a:prstGeom prst="rect">
             <a:avLst/>
           </a:prstGeom>
         </p:spPr>
         <p:txBody>
-          <a:bodyPr vert="horz" lIns="91440" tIns="45720" rIns="91440" bIns="45720" rtlCol="0" anchor="t">
+          <a:bodyPr vert="horz" lIns="91440" tIns="45720" rIns="91440" bIns="45720" rtlCol="0" anchor="ctr">
             <a:normAutofit/>
           </a:bodyPr>
           <a:lstStyle/>
@@ -5179,20 +4815,22 @@
         </p:nvSpPr>
         <p:spPr>
           <a:xfrm>
-            <a:off x="8677501" y="5969000"/>
-            <a:ext cx="1600200" cy="279400"/>
+            <a:off x="9904412" y="6172200"/>
+            <a:ext cx="1600200" cy="365125"/>
           </a:xfrm>
           <a:prstGeom prst="rect">
             <a:avLst/>
           </a:prstGeom>
         </p:spPr>
         <p:txBody>
-          <a:bodyPr vert="horz" lIns="91440" tIns="45720" rIns="91440" bIns="45720" rtlCol="0" anchor="ctr"/>
+          <a:bodyPr vert="horz" lIns="91440" tIns="45720" rIns="91440" bIns="45720" rtlCol="0" anchor="t"/>
           <a:lstStyle>
             <a:lvl1pPr algn="r">
               <a:defRPr sz="1000" b="0" i="0">
                 <a:solidFill>
-                  <a:schemeClr val="tx1"/>
+                  <a:schemeClr val="bg2">
+                    <a:lumMod val="50000"/>
+                  </a:schemeClr>
                 </a:solidFill>
                 <a:effectLst/>
                 <a:latin typeface="+mn-lt"/>
@@ -5202,7 +4840,7 @@
           <a:p>
             <a:fld id="{F72A63ED-A474-4EED-92B8-EA8361CA006A}" type="datetimeFigureOut">
               <a:rPr lang="es-MX" smtClean="0"/>
-              <a:t>25/11/2025</a:t>
+              <a:t>14/12/2025</a:t>
             </a:fld>
             <a:endParaRPr lang="es-MX"/>
           </a:p>
@@ -5220,20 +4858,22 @@
         </p:nvSpPr>
         <p:spPr>
           <a:xfrm>
-            <a:off x="1295401" y="5969000"/>
-            <a:ext cx="7305900" cy="279400"/>
+            <a:off x="684212" y="6172200"/>
+            <a:ext cx="7543800" cy="365125"/>
           </a:xfrm>
           <a:prstGeom prst="rect">
             <a:avLst/>
           </a:prstGeom>
         </p:spPr>
         <p:txBody>
-          <a:bodyPr vert="horz" lIns="91440" tIns="45720" rIns="91440" bIns="45720" rtlCol="0" anchor="ctr"/>
+          <a:bodyPr vert="horz" lIns="91440" tIns="45720" rIns="91440" bIns="45720" rtlCol="0" anchor="t"/>
           <a:lstStyle>
             <a:lvl1pPr algn="l">
               <a:defRPr sz="1000" b="0" i="0">
                 <a:solidFill>
-                  <a:schemeClr val="tx1"/>
+                  <a:schemeClr val="bg2">
+                    <a:lumMod val="50000"/>
+                  </a:schemeClr>
                 </a:solidFill>
                 <a:effectLst/>
                 <a:latin typeface="+mn-lt"/>
@@ -5257,20 +4897,22 @@
         </p:nvSpPr>
         <p:spPr>
           <a:xfrm>
-            <a:off x="10353901" y="5969000"/>
-            <a:ext cx="542697" cy="279400"/>
+            <a:off x="10363200" y="5578475"/>
+            <a:ext cx="1142245" cy="669925"/>
           </a:xfrm>
           <a:prstGeom prst="rect">
             <a:avLst/>
           </a:prstGeom>
         </p:spPr>
         <p:txBody>
-          <a:bodyPr vert="horz" lIns="91440" tIns="45720" rIns="91440" bIns="45720" rtlCol="0" anchor="ctr"/>
+          <a:bodyPr vert="horz" lIns="91440" tIns="45720" rIns="91440" bIns="45720" rtlCol="0" anchor="b"/>
           <a:lstStyle>
             <a:lvl1pPr algn="r">
-              <a:defRPr sz="1000" b="0" i="0">
-                <a:solidFill>
-                  <a:schemeClr val="tx1"/>
+              <a:defRPr sz="3200" b="0" i="0">
+                <a:solidFill>
+                  <a:schemeClr val="bg2">
+                    <a:lumMod val="50000"/>
+                  </a:schemeClr>
                 </a:solidFill>
                 <a:effectLst/>
                 <a:latin typeface="+mn-lt"/>
@@ -5289,46 +4931,43 @@
     </p:spTree>
     <p:extLst>
       <p:ext uri="{BB962C8B-B14F-4D97-AF65-F5344CB8AC3E}">
-        <p14:creationId xmlns:p14="http://schemas.microsoft.com/office/powerpoint/2010/main" val="3975024563"/>
+        <p14:creationId xmlns:p14="http://schemas.microsoft.com/office/powerpoint/2010/main" val="2513339099"/>
       </p:ext>
     </p:extLst>
   </p:cSld>
-  <p:clrMap bg1="lt1" tx1="dk1" bg2="lt2" tx2="dk2" accent1="accent1" accent2="accent2" accent3="accent3" accent4="accent4" accent5="accent5" accent6="accent6" hlink="hlink" folHlink="folHlink"/>
+  <p:clrMap bg1="dk1" tx1="lt1" bg2="dk2" tx2="lt2" accent1="accent1" accent2="accent2" accent3="accent3" accent4="accent4" accent5="accent5" accent6="accent6" hlink="hlink" folHlink="folHlink"/>
   <p:sldLayoutIdLst>
-    <p:sldLayoutId id="2147483772" r:id="rId1"/>
-    <p:sldLayoutId id="2147483773" r:id="rId2"/>
-    <p:sldLayoutId id="2147483774" r:id="rId3"/>
-    <p:sldLayoutId id="2147483775" r:id="rId4"/>
-    <p:sldLayoutId id="2147483776" r:id="rId5"/>
-    <p:sldLayoutId id="2147483777" r:id="rId6"/>
-    <p:sldLayoutId id="2147483778" r:id="rId7"/>
-    <p:sldLayoutId id="2147483779" r:id="rId8"/>
-    <p:sldLayoutId id="2147483780" r:id="rId9"/>
-    <p:sldLayoutId id="2147483781" r:id="rId10"/>
-    <p:sldLayoutId id="2147483782" r:id="rId11"/>
-    <p:sldLayoutId id="2147483783" r:id="rId12"/>
-    <p:sldLayoutId id="2147483784" r:id="rId13"/>
-    <p:sldLayoutId id="2147483785" r:id="rId14"/>
-    <p:sldLayoutId id="2147483786" r:id="rId15"/>
-    <p:sldLayoutId id="2147483787" r:id="rId16"/>
-    <p:sldLayoutId id="2147483788" r:id="rId17"/>
+    <p:sldLayoutId id="2147483790" r:id="rId1"/>
+    <p:sldLayoutId id="2147483791" r:id="rId2"/>
+    <p:sldLayoutId id="2147483792" r:id="rId3"/>
+    <p:sldLayoutId id="2147483793" r:id="rId4"/>
+    <p:sldLayoutId id="2147483794" r:id="rId5"/>
+    <p:sldLayoutId id="2147483795" r:id="rId6"/>
+    <p:sldLayoutId id="2147483796" r:id="rId7"/>
+    <p:sldLayoutId id="2147483797" r:id="rId8"/>
+    <p:sldLayoutId id="2147483798" r:id="rId9"/>
+    <p:sldLayoutId id="2147483799" r:id="rId10"/>
+    <p:sldLayoutId id="2147483800" r:id="rId11"/>
+    <p:sldLayoutId id="2147483801" r:id="rId12"/>
+    <p:sldLayoutId id="2147483802" r:id="rId13"/>
+    <p:sldLayoutId id="2147483803" r:id="rId14"/>
+    <p:sldLayoutId id="2147483804" r:id="rId15"/>
+    <p:sldLayoutId id="2147483805" r:id="rId16"/>
+    <p:sldLayoutId id="2147483806" r:id="rId17"/>
   </p:sldLayoutIdLst>
   <p:txStyles>
     <p:titleStyle>
-      <a:lvl1pPr algn="ctr" defTabSz="457200" rtl="0" eaLnBrk="1" latinLnBrk="0" hangingPunct="1">
+      <a:lvl1pPr algn="l" defTabSz="457200" rtl="0" eaLnBrk="1" latinLnBrk="0" hangingPunct="1">
         <a:spcBef>
           <a:spcPct val="0"/>
         </a:spcBef>
         <a:buNone/>
-        <a:defRPr sz="4400" kern="1200" cap="none">
+        <a:defRPr sz="3600" kern="1200" cap="all">
           <a:ln w="3175" cmpd="sng">
             <a:noFill/>
           </a:ln>
           <a:solidFill>
-            <a:schemeClr val="tx1">
-              <a:lumMod val="85000"/>
-              <a:lumOff val="15000"/>
-            </a:schemeClr>
+            <a:schemeClr val="tx1"/>
           </a:solidFill>
           <a:effectLst/>
           <a:latin typeface="+mj-lt"/>
@@ -5402,16 +5041,15 @@
           <a:spcPts val="600"/>
         </a:spcAft>
         <a:buClr>
-          <a:schemeClr val="accent1"/>
+          <a:schemeClr val="tx1"/>
         </a:buClr>
-        <a:buSzPct val="115000"/>
-        <a:buFont typeface="Arial"/>
-        <a:buChar char="•"/>
-        <a:defRPr sz="2400" kern="1200" cap="none">
+        <a:buSzPct val="80000"/>
+        <a:buFont typeface="Wingdings 3" panose="05040102010807070707" pitchFamily="18" charset="2"/>
+        <a:buChar char=""/>
+        <a:defRPr sz="2000" kern="1200" cap="none">
           <a:solidFill>
-            <a:schemeClr val="tx1">
-              <a:lumMod val="85000"/>
-              <a:lumOff val="15000"/>
+            <a:schemeClr val="bg2">
+              <a:lumMod val="75000"/>
             </a:schemeClr>
           </a:solidFill>
           <a:effectLst/>
@@ -5428,16 +5066,15 @@
           <a:spcPts val="600"/>
         </a:spcAft>
         <a:buClr>
-          <a:schemeClr val="accent1"/>
+          <a:schemeClr val="tx1"/>
         </a:buClr>
-        <a:buSzPct val="115000"/>
-        <a:buFont typeface="Arial"/>
-        <a:buChar char="•"/>
-        <a:defRPr sz="2000" kern="1200" cap="none">
+        <a:buSzPct val="80000"/>
+        <a:buFont typeface="Wingdings 3" panose="05040102010807070707" pitchFamily="18" charset="2"/>
+        <a:buChar char=""/>
+        <a:defRPr sz="1800" kern="1200" cap="none">
           <a:solidFill>
-            <a:schemeClr val="tx1">
-              <a:lumMod val="85000"/>
-              <a:lumOff val="15000"/>
+            <a:schemeClr val="bg2">
+              <a:lumMod val="75000"/>
             </a:schemeClr>
           </a:solidFill>
           <a:effectLst/>
@@ -5454,16 +5091,15 @@
           <a:spcPts val="600"/>
         </a:spcAft>
         <a:buClr>
-          <a:schemeClr val="accent1"/>
+          <a:schemeClr val="tx1"/>
         </a:buClr>
-        <a:buSzPct val="115000"/>
-        <a:buFont typeface="Arial"/>
-        <a:buChar char="•"/>
-        <a:defRPr sz="1800" kern="1200" cap="none">
+        <a:buSzPct val="80000"/>
+        <a:buFont typeface="Wingdings 3" panose="05040102010807070707" pitchFamily="18" charset="2"/>
+        <a:buChar char=""/>
+        <a:defRPr sz="1600" kern="1200" cap="none">
           <a:solidFill>
-            <a:schemeClr val="tx1">
-              <a:lumMod val="85000"/>
-              <a:lumOff val="15000"/>
+            <a:schemeClr val="bg2">
+              <a:lumMod val="75000"/>
             </a:schemeClr>
           </a:solidFill>
           <a:effectLst/>
@@ -5480,16 +5116,15 @@
           <a:spcPts val="600"/>
         </a:spcAft>
         <a:buClr>
-          <a:schemeClr val="accent1"/>
+          <a:schemeClr val="tx1"/>
         </a:buClr>
-        <a:buSzPct val="115000"/>
-        <a:buFont typeface="Arial"/>
-        <a:buChar char="•"/>
-        <a:defRPr sz="1600" kern="1200" cap="none">
+        <a:buSzPct val="80000"/>
+        <a:buFont typeface="Wingdings 3" panose="05040102010807070707" pitchFamily="18" charset="2"/>
+        <a:buChar char=""/>
+        <a:defRPr sz="1400" kern="1200" cap="none">
           <a:solidFill>
-            <a:schemeClr val="tx1">
-              <a:lumMod val="85000"/>
-              <a:lumOff val="15000"/>
+            <a:schemeClr val="bg2">
+              <a:lumMod val="75000"/>
             </a:schemeClr>
           </a:solidFill>
           <a:effectLst/>
@@ -5506,16 +5141,15 @@
           <a:spcPts val="600"/>
         </a:spcAft>
         <a:buClr>
-          <a:schemeClr val="accent1"/>
+          <a:schemeClr val="tx1"/>
         </a:buClr>
-        <a:buSzPct val="115000"/>
-        <a:buFont typeface="Arial"/>
-        <a:buChar char="•"/>
+        <a:buSzPct val="80000"/>
+        <a:buFont typeface="Wingdings 3" panose="05040102010807070707" pitchFamily="18" charset="2"/>
+        <a:buChar char=""/>
         <a:defRPr sz="1400" kern="1200" cap="none">
           <a:solidFill>
-            <a:schemeClr val="tx1">
-              <a:lumMod val="85000"/>
-              <a:lumOff val="15000"/>
+            <a:schemeClr val="bg2">
+              <a:lumMod val="75000"/>
             </a:schemeClr>
           </a:solidFill>
           <a:effectLst/>
@@ -5532,16 +5166,15 @@
           <a:spcPts val="600"/>
         </a:spcAft>
         <a:buClr>
-          <a:schemeClr val="accent1"/>
+          <a:schemeClr val="tx1"/>
         </a:buClr>
-        <a:buSzPct val="115000"/>
-        <a:buFont typeface="Arial"/>
-        <a:buChar char="•"/>
+        <a:buSzPct val="80000"/>
+        <a:buFont typeface="Wingdings 3" panose="05040102010807070707" pitchFamily="18" charset="2"/>
+        <a:buChar char=""/>
         <a:defRPr sz="1400" kern="1200" cap="none">
           <a:solidFill>
-            <a:schemeClr val="tx1">
-              <a:lumMod val="85000"/>
-              <a:lumOff val="15000"/>
+            <a:schemeClr val="bg2">
+              <a:lumMod val="75000"/>
             </a:schemeClr>
           </a:solidFill>
           <a:effectLst/>
@@ -5558,16 +5191,15 @@
           <a:spcPts val="600"/>
         </a:spcAft>
         <a:buClr>
-          <a:schemeClr val="accent1"/>
+          <a:schemeClr val="tx1"/>
         </a:buClr>
-        <a:buSzPct val="115000"/>
-        <a:buFont typeface="Arial"/>
-        <a:buChar char="•"/>
+        <a:buSzPct val="80000"/>
+        <a:buFont typeface="Wingdings 3" panose="05040102010807070707" pitchFamily="18" charset="2"/>
+        <a:buChar char=""/>
         <a:defRPr sz="1400" kern="1200" cap="none">
           <a:solidFill>
-            <a:schemeClr val="tx1">
-              <a:lumMod val="85000"/>
-              <a:lumOff val="15000"/>
+            <a:schemeClr val="bg2">
+              <a:lumMod val="75000"/>
             </a:schemeClr>
           </a:solidFill>
           <a:effectLst/>
@@ -5584,16 +5216,15 @@
           <a:spcPts val="600"/>
         </a:spcAft>
         <a:buClr>
-          <a:schemeClr val="accent1"/>
+          <a:schemeClr val="tx1"/>
         </a:buClr>
-        <a:buSzPct val="115000"/>
-        <a:buFont typeface="Arial"/>
-        <a:buChar char="•"/>
+        <a:buSzPct val="80000"/>
+        <a:buFont typeface="Wingdings 3" panose="05040102010807070707" pitchFamily="18" charset="2"/>
+        <a:buChar char=""/>
         <a:defRPr sz="1400" kern="1200" cap="none">
           <a:solidFill>
-            <a:schemeClr val="tx1">
-              <a:lumMod val="85000"/>
-              <a:lumOff val="15000"/>
+            <a:schemeClr val="bg2">
+              <a:lumMod val="75000"/>
             </a:schemeClr>
           </a:solidFill>
           <a:effectLst/>
@@ -5610,16 +5241,15 @@
           <a:spcPts val="600"/>
         </a:spcAft>
         <a:buClr>
-          <a:schemeClr val="accent1"/>
+          <a:schemeClr val="tx1"/>
         </a:buClr>
-        <a:buSzPct val="115000"/>
-        <a:buFont typeface="Arial"/>
-        <a:buChar char="•"/>
+        <a:buSzPct val="80000"/>
+        <a:buFont typeface="Wingdings 3" panose="05040102010807070707" pitchFamily="18" charset="2"/>
+        <a:buChar char=""/>
         <a:defRPr sz="1400" kern="1200" cap="none">
           <a:solidFill>
-            <a:schemeClr val="tx1">
-              <a:lumMod val="85000"/>
-              <a:lumOff val="15000"/>
+            <a:schemeClr val="bg2">
+              <a:lumMod val="75000"/>
             </a:schemeClr>
           </a:solidFill>
           <a:effectLst/>
@@ -5829,7 +5459,7 @@
                 <a:effectLst/>
                 <a:latin typeface="Bahnschrift" panose="020B0502040204020203" pitchFamily="34" charset="0"/>
               </a:rPr>
-              <a:t>Redes De Computadoras</a:t>
+              <a:t>Estructura de Datos</a:t>
             </a:r>
             <a:endParaRPr lang="es-MX" sz="1600" dirty="0">
               <a:effectLst/>
@@ -6237,7 +5867,12 @@
             <p:ph type="title"/>
           </p:nvPr>
         </p:nvSpPr>
-        <p:spPr/>
+        <p:spPr>
+          <a:xfrm>
+            <a:off x="3657600" y="182460"/>
+            <a:ext cx="3719245" cy="1507067"/>
+          </a:xfrm>
+        </p:spPr>
         <p:txBody>
           <a:bodyPr/>
           <a:lstStyle/>
@@ -6265,10 +5900,15 @@
             <p:ph idx="1"/>
           </p:nvPr>
         </p:nvSpPr>
-        <p:spPr/>
+        <p:spPr>
+          <a:xfrm>
+            <a:off x="1828800" y="2031715"/>
+            <a:ext cx="8534400" cy="3615267"/>
+          </a:xfrm>
+        </p:spPr>
         <p:txBody>
           <a:bodyPr>
-            <a:normAutofit fontScale="92500"/>
+            <a:normAutofit/>
           </a:bodyPr>
           <a:lstStyle/>
           <a:p>
@@ -6368,7 +6008,12 @@
             <p:ph type="title"/>
           </p:nvPr>
         </p:nvSpPr>
-        <p:spPr/>
+        <p:spPr>
+          <a:xfrm>
+            <a:off x="1590280" y="233831"/>
+            <a:ext cx="8534400" cy="1507067"/>
+          </a:xfrm>
+        </p:spPr>
         <p:txBody>
           <a:bodyPr/>
           <a:lstStyle/>
@@ -6382,10 +6027,10 @@
       </p:sp>
       <p:pic>
         <p:nvPicPr>
-          <p:cNvPr id="7" name="Marcador de contenido 6">
+          <p:cNvPr id="5" name="Marcador de contenido 4">
             <a:extLst>
               <a:ext uri="{FF2B5EF4-FFF2-40B4-BE49-F238E27FC236}">
-                <a16:creationId xmlns:a16="http://schemas.microsoft.com/office/drawing/2014/main" id="{55418D1B-ABB2-79B5-EE99-63FE0207DA6A}"/>
+                <a16:creationId xmlns:a16="http://schemas.microsoft.com/office/drawing/2014/main" id="{62F4CCF9-70F8-05DA-8EEE-94C7A341D226}"/>
               </a:ext>
             </a:extLst>
           </p:cNvPr>
@@ -6404,17 +6049,17 @@
         </p:blipFill>
         <p:spPr>
           <a:xfrm>
-            <a:off x="1590280" y="2417763"/>
-            <a:ext cx="3118639" cy="3317875"/>
+            <a:off x="6411074" y="1740898"/>
+            <a:ext cx="5552326" cy="3722453"/>
           </a:xfrm>
         </p:spPr>
       </p:pic>
       <p:pic>
         <p:nvPicPr>
-          <p:cNvPr id="9" name="Imagen 8">
+          <p:cNvPr id="6" name="Imagen 5">
             <a:extLst>
               <a:ext uri="{FF2B5EF4-FFF2-40B4-BE49-F238E27FC236}">
-                <a16:creationId xmlns:a16="http://schemas.microsoft.com/office/drawing/2014/main" id="{90707547-5823-80D7-D26C-8CDCB0EFEE83}"/>
+                <a16:creationId xmlns:a16="http://schemas.microsoft.com/office/drawing/2014/main" id="{F632DF03-F843-7BA6-AE3C-11CC238D82CD}"/>
               </a:ext>
             </a:extLst>
           </p:cNvPr>
@@ -6431,14 +6076,109 @@
         </p:blipFill>
         <p:spPr>
           <a:xfrm>
-            <a:off x="4995369" y="2417763"/>
-            <a:ext cx="5933035" cy="3186111"/>
+            <a:off x="9427778" y="120659"/>
+            <a:ext cx="2650372" cy="2820470"/>
           </a:xfrm>
           <a:prstGeom prst="rect">
             <a:avLst/>
           </a:prstGeom>
         </p:spPr>
       </p:pic>
+      <p:sp>
+        <p:nvSpPr>
+          <p:cNvPr id="10" name="CuadroTexto 9">
+            <a:extLst>
+              <a:ext uri="{FF2B5EF4-FFF2-40B4-BE49-F238E27FC236}">
+                <a16:creationId xmlns:a16="http://schemas.microsoft.com/office/drawing/2014/main" id="{2DCF680D-EA12-20F5-A706-C39D9D959F41}"/>
+              </a:ext>
+            </a:extLst>
+          </p:cNvPr>
+          <p:cNvSpPr txBox="1"/>
+          <p:nvPr/>
+        </p:nvSpPr>
+        <p:spPr>
+          <a:xfrm>
+            <a:off x="670389" y="1989729"/>
+            <a:ext cx="6107986" cy="2308324"/>
+          </a:xfrm>
+          <a:prstGeom prst="rect">
+            <a:avLst/>
+          </a:prstGeom>
+          <a:noFill/>
+        </p:spPr>
+        <p:txBody>
+          <a:bodyPr wrap="square">
+            <a:spAutoFit/>
+          </a:bodyPr>
+          <a:lstStyle/>
+          <a:p>
+            <a:r>
+              <a:rPr lang="es-MX" dirty="0"/>
+              <a:t>Cada estructura de datos cuenta con:</a:t>
+            </a:r>
+          </a:p>
+          <a:p>
+            <a:pPr>
+              <a:buFont typeface="Arial" panose="020B0604020202020204" pitchFamily="34" charset="0"/>
+              <a:buChar char="•"/>
+            </a:pPr>
+            <a:r>
+              <a:rPr lang="es-MX" dirty="0"/>
+              <a:t>Una </a:t>
+            </a:r>
+            <a:r>
+              <a:rPr lang="es-MX" b="1" dirty="0"/>
+              <a:t>clase lógica</a:t>
+            </a:r>
+            <a:r>
+              <a:rPr lang="es-MX" dirty="0"/>
+              <a:t> (Pila, Cola o Lista)</a:t>
+            </a:r>
+          </a:p>
+          <a:p>
+            <a:pPr>
+              <a:buFont typeface="Arial" panose="020B0604020202020204" pitchFamily="34" charset="0"/>
+              <a:buChar char="•"/>
+            </a:pPr>
+            <a:r>
+              <a:rPr lang="es-MX" dirty="0"/>
+              <a:t>Un </a:t>
+            </a:r>
+            <a:r>
+              <a:rPr lang="es-MX" b="1" dirty="0" err="1"/>
+              <a:t>Controller</a:t>
+            </a:r>
+            <a:r>
+              <a:rPr lang="es-MX" dirty="0"/>
+              <a:t>, que ejecuta los métodos</a:t>
+            </a:r>
+          </a:p>
+          <a:p>
+            <a:pPr>
+              <a:buFont typeface="Arial" panose="020B0604020202020204" pitchFamily="34" charset="0"/>
+              <a:buChar char="•"/>
+            </a:pPr>
+            <a:r>
+              <a:rPr lang="es-MX" dirty="0"/>
+              <a:t>Una </a:t>
+            </a:r>
+            <a:r>
+              <a:rPr lang="es-MX" b="1" dirty="0"/>
+              <a:t>Vista (FXML)</a:t>
+            </a:r>
+            <a:r>
+              <a:rPr lang="es-MX" dirty="0"/>
+              <a:t>, que permite la interacción del usuario</a:t>
+            </a:r>
+          </a:p>
+          <a:p>
+            <a:r>
+              <a:rPr lang="es-MX" dirty="0"/>
+              <a:t>Esta separación permite un diseño ordenado, facilitando la comprensión del código, su mantenimiento y futuras ampliaciones.</a:t>
+            </a:r>
+          </a:p>
+        </p:txBody>
+      </p:sp>
     </p:spTree>
     <p:extLst>
       <p:ext uri="{BB962C8B-B14F-4D97-AF65-F5344CB8AC3E}">
@@ -6474,7 +6214,7 @@
           <p:cNvPr id="2" name="Título 1">
             <a:extLst>
               <a:ext uri="{FF2B5EF4-FFF2-40B4-BE49-F238E27FC236}">
-                <a16:creationId xmlns:a16="http://schemas.microsoft.com/office/drawing/2014/main" id="{D5A23415-9D88-DC35-529A-F9C64BC4B3FD}"/>
+                <a16:creationId xmlns:a16="http://schemas.microsoft.com/office/drawing/2014/main" id="{88E6BA36-7950-16C6-4460-05D59BAFDA8A}"/>
               </a:ext>
             </a:extLst>
           </p:cNvPr>
@@ -6487,8 +6227,8 @@
         </p:nvSpPr>
         <p:spPr>
           <a:xfrm>
-            <a:off x="-2448825" y="184650"/>
-            <a:ext cx="9601196" cy="1303867"/>
+            <a:off x="817776" y="78840"/>
+            <a:ext cx="2695985" cy="1082140"/>
           </a:xfrm>
         </p:spPr>
         <p:txBody>
@@ -6496,22 +6236,18 @@
           <a:lstStyle/>
           <a:p>
             <a:r>
-              <a:rPr lang="es-MX" dirty="0" err="1"/>
-              <a:t>Part</a:t>
-            </a:r>
-            <a:r>
               <a:rPr lang="es-MX" dirty="0"/>
-              <a:t> 1</a:t>
+              <a:t>PILA (FIFO)</a:t>
             </a:r>
           </a:p>
         </p:txBody>
       </p:sp>
       <p:pic>
         <p:nvPicPr>
-          <p:cNvPr id="5" name="Marcador de contenido 4">
+          <p:cNvPr id="4" name="Marcador de contenido 4">
             <a:extLst>
               <a:ext uri="{FF2B5EF4-FFF2-40B4-BE49-F238E27FC236}">
-                <a16:creationId xmlns:a16="http://schemas.microsoft.com/office/drawing/2014/main" id="{C76640ED-AE69-C380-0A68-2D101B9AB407}"/>
+                <a16:creationId xmlns:a16="http://schemas.microsoft.com/office/drawing/2014/main" id="{74D342FB-6653-E21B-FB35-1B2E85D81989}"/>
               </a:ext>
             </a:extLst>
           </p:cNvPr>
@@ -6530,305 +6266,50 @@
         </p:blipFill>
         <p:spPr>
           <a:xfrm>
-            <a:off x="460955" y="1327649"/>
-            <a:ext cx="6576380" cy="4437884"/>
-          </a:xfrm>
+            <a:off x="7850973" y="3369638"/>
+            <a:ext cx="3131314" cy="3325863"/>
+          </a:xfrm>
+          <a:prstGeom prst="rect">
+            <a:avLst/>
+          </a:prstGeom>
         </p:spPr>
       </p:pic>
-      <p:sp>
-        <p:nvSpPr>
-          <p:cNvPr id="6" name="Rectangle 1">
+      <p:pic>
+        <p:nvPicPr>
+          <p:cNvPr id="6" name="Imagen 5">
             <a:extLst>
               <a:ext uri="{FF2B5EF4-FFF2-40B4-BE49-F238E27FC236}">
-                <a16:creationId xmlns:a16="http://schemas.microsoft.com/office/drawing/2014/main" id="{BF0066D1-726F-FD2D-D8B2-487DFE06B505}"/>
+                <a16:creationId xmlns:a16="http://schemas.microsoft.com/office/drawing/2014/main" id="{85488D94-AFF1-5AAA-A32B-EF9331935C8A}"/>
               </a:ext>
             </a:extLst>
           </p:cNvPr>
-          <p:cNvSpPr>
-            <a:spLocks noChangeArrowheads="1"/>
-          </p:cNvSpPr>
+          <p:cNvPicPr>
+            <a:picLocks noChangeAspect="1"/>
+          </p:cNvPicPr>
           <p:nvPr/>
-        </p:nvSpPr>
-        <p:spPr bwMode="auto">
+        </p:nvPicPr>
+        <p:blipFill>
+          <a:blip r:embed="rId3"/>
+          <a:stretch>
+            <a:fillRect/>
+          </a:stretch>
+        </p:blipFill>
+        <p:spPr>
           <a:xfrm>
-            <a:off x="7037335" y="1918645"/>
-            <a:ext cx="4798428" cy="1077218"/>
+            <a:off x="146268" y="1238140"/>
+            <a:ext cx="5175745" cy="5262008"/>
           </a:xfrm>
           <a:prstGeom prst="rect">
             <a:avLst/>
           </a:prstGeom>
-          <a:noFill/>
-          <a:ln>
-            <a:noFill/>
-          </a:ln>
-          <a:effectLst/>
-          <a:extLst>
-            <a:ext uri="{909E8E84-426E-40DD-AFC4-6F175D3DCCD1}">
-              <a14:hiddenFill xmlns:a14="http://schemas.microsoft.com/office/drawing/2010/main">
-                <a:solidFill>
-                  <a:schemeClr val="accent1"/>
-                </a:solidFill>
-              </a14:hiddenFill>
-            </a:ext>
-            <a:ext uri="{91240B29-F687-4F45-9708-019B960494DF}">
-              <a14:hiddenLine xmlns:a14="http://schemas.microsoft.com/office/drawing/2010/main" w="9525">
-                <a:solidFill>
-                  <a:schemeClr val="tx1"/>
-                </a:solidFill>
-                <a:miter lim="800000"/>
-                <a:headEnd/>
-                <a:tailEnd/>
-              </a14:hiddenLine>
-            </a:ext>
-            <a:ext uri="{AF507438-7753-43E0-B8FC-AC1667EBCBE1}">
-              <a14:hiddenEffects xmlns:a14="http://schemas.microsoft.com/office/drawing/2010/main">
-                <a:effectLst>
-                  <a:outerShdw dist="35921" dir="2700000" algn="ctr" rotWithShape="0">
-                    <a:schemeClr val="bg2"/>
-                  </a:outerShdw>
-                </a:effectLst>
-              </a14:hiddenEffects>
-            </a:ext>
-          </a:extLst>
-        </p:spPr>
-        <p:txBody>
-          <a:bodyPr vert="horz" wrap="square" lIns="91440" tIns="45720" rIns="91440" bIns="45720" numCol="1" anchor="ctr" anchorCtr="0" compatLnSpc="1">
-            <a:prstTxWarp prst="textNoShape">
-              <a:avLst/>
-            </a:prstTxWarp>
-            <a:spAutoFit/>
-          </a:bodyPr>
-          <a:lstStyle/>
-          <a:p>
-            <a:pPr marL="0" marR="0" lvl="0" indent="0" algn="l" defTabSz="914400" rtl="0" eaLnBrk="0" fontAlgn="base" latinLnBrk="0" hangingPunct="0">
-              <a:lnSpc>
-                <a:spcPct val="100000"/>
-              </a:lnSpc>
-              <a:spcBef>
-                <a:spcPct val="0"/>
-              </a:spcBef>
-              <a:spcAft>
-                <a:spcPct val="0"/>
-              </a:spcAft>
-              <a:buClrTx/>
-              <a:buSzTx/>
-              <a:buFontTx/>
-              <a:buChar char="•"/>
-              <a:tabLst/>
-            </a:pPr>
-            <a:r>
-              <a:rPr lang="es-MX" altLang="es-MX" sz="1600" dirty="0"/>
-              <a:t>cola → se comporta como FIFO (primer elemento en entrar, primero en salir).</a:t>
-            </a:r>
-          </a:p>
-          <a:p>
-            <a:pPr marL="0" marR="0" lvl="0" indent="0" algn="l" defTabSz="914400" rtl="0" eaLnBrk="0" fontAlgn="base" latinLnBrk="0" hangingPunct="0">
-              <a:lnSpc>
-                <a:spcPct val="100000"/>
-              </a:lnSpc>
-              <a:spcBef>
-                <a:spcPct val="0"/>
-              </a:spcBef>
-              <a:spcAft>
-                <a:spcPct val="0"/>
-              </a:spcAft>
-              <a:buClrTx/>
-              <a:buSzTx/>
-              <a:buFontTx/>
-              <a:buChar char="•"/>
-              <a:tabLst/>
-            </a:pPr>
-            <a:r>
-              <a:rPr lang="es-MX" altLang="es-MX" sz="1600" dirty="0"/>
-              <a:t>lista → se comporta como una estructura lineal, donde se puede agregar al final y recorrer por índices.</a:t>
-            </a:r>
-          </a:p>
-        </p:txBody>
-      </p:sp>
-      <p:sp>
-        <p:nvSpPr>
-          <p:cNvPr id="7" name="Rectangle 2">
-            <a:extLst>
-              <a:ext uri="{FF2B5EF4-FFF2-40B4-BE49-F238E27FC236}">
-                <a16:creationId xmlns:a16="http://schemas.microsoft.com/office/drawing/2014/main" id="{15F6A6D6-3B06-517F-1083-00E6D85ADA45}"/>
-              </a:ext>
-            </a:extLst>
-          </p:cNvPr>
-          <p:cNvSpPr>
-            <a:spLocks noChangeArrowheads="1"/>
-          </p:cNvSpPr>
-          <p:nvPr/>
-        </p:nvSpPr>
-        <p:spPr bwMode="auto">
-          <a:xfrm>
-            <a:off x="7152371" y="3961607"/>
-            <a:ext cx="4247160" cy="1077218"/>
-          </a:xfrm>
-          <a:prstGeom prst="rect">
-            <a:avLst/>
-          </a:prstGeom>
-          <a:noFill/>
-          <a:ln>
-            <a:noFill/>
-          </a:ln>
-          <a:effectLst/>
-          <a:extLst>
-            <a:ext uri="{909E8E84-426E-40DD-AFC4-6F175D3DCCD1}">
-              <a14:hiddenFill xmlns:a14="http://schemas.microsoft.com/office/drawing/2010/main">
-                <a:solidFill>
-                  <a:schemeClr val="accent1"/>
-                </a:solidFill>
-              </a14:hiddenFill>
-            </a:ext>
-            <a:ext uri="{91240B29-F687-4F45-9708-019B960494DF}">
-              <a14:hiddenLine xmlns:a14="http://schemas.microsoft.com/office/drawing/2010/main" w="9525">
-                <a:solidFill>
-                  <a:schemeClr val="tx1"/>
-                </a:solidFill>
-                <a:miter lim="800000"/>
-                <a:headEnd/>
-                <a:tailEnd/>
-              </a14:hiddenLine>
-            </a:ext>
-            <a:ext uri="{AF507438-7753-43E0-B8FC-AC1667EBCBE1}">
-              <a14:hiddenEffects xmlns:a14="http://schemas.microsoft.com/office/drawing/2010/main">
-                <a:effectLst>
-                  <a:outerShdw dist="35921" dir="2700000" algn="ctr" rotWithShape="0">
-                    <a:schemeClr val="bg2"/>
-                  </a:outerShdw>
-                </a:effectLst>
-              </a14:hiddenEffects>
-            </a:ext>
-          </a:extLst>
-        </p:spPr>
-        <p:txBody>
-          <a:bodyPr vert="horz" wrap="square" lIns="91440" tIns="45720" rIns="91440" bIns="45720" numCol="1" anchor="ctr" anchorCtr="0" compatLnSpc="1">
-            <a:prstTxWarp prst="textNoShape">
-              <a:avLst/>
-            </a:prstTxWarp>
-            <a:spAutoFit/>
-          </a:bodyPr>
-          <a:lstStyle/>
-          <a:p>
-            <a:pPr marL="0" marR="0" lvl="0" indent="0" algn="l" defTabSz="914400" rtl="0" eaLnBrk="0" fontAlgn="base" latinLnBrk="0" hangingPunct="0">
-              <a:lnSpc>
-                <a:spcPct val="100000"/>
-              </a:lnSpc>
-              <a:spcBef>
-                <a:spcPct val="0"/>
-              </a:spcBef>
-              <a:spcAft>
-                <a:spcPct val="0"/>
-              </a:spcAft>
-              <a:buClrTx/>
-              <a:buSzTx/>
-              <a:buFontTx/>
-              <a:buChar char="•"/>
-              <a:tabLst/>
-            </a:pPr>
-            <a:r>
-              <a:rPr lang="es-MX" altLang="es-MX" sz="1600" dirty="0"/>
-              <a:t>Toma el valor del </a:t>
-            </a:r>
-            <a:r>
-              <a:rPr lang="es-MX" altLang="es-MX" sz="1600" dirty="0" err="1"/>
-              <a:t>TextField</a:t>
-            </a:r>
-            <a:r>
-              <a:rPr lang="es-MX" altLang="es-MX" sz="1600" dirty="0"/>
-              <a:t>.</a:t>
-            </a:r>
-          </a:p>
-          <a:p>
-            <a:pPr marL="0" marR="0" lvl="0" indent="0" algn="l" defTabSz="914400" rtl="0" eaLnBrk="0" fontAlgn="base" latinLnBrk="0" hangingPunct="0">
-              <a:lnSpc>
-                <a:spcPct val="100000"/>
-              </a:lnSpc>
-              <a:spcBef>
-                <a:spcPct val="0"/>
-              </a:spcBef>
-              <a:spcAft>
-                <a:spcPct val="0"/>
-              </a:spcAft>
-              <a:buClrTx/>
-              <a:buSzTx/>
-              <a:buFontTx/>
-              <a:buChar char="•"/>
-              <a:tabLst/>
-            </a:pPr>
-            <a:r>
-              <a:rPr lang="es-MX" altLang="es-MX" sz="1600" dirty="0"/>
-              <a:t>Lo agrega a la cola con </a:t>
-            </a:r>
-            <a:r>
-              <a:rPr lang="es-MX" altLang="es-MX" sz="1600" dirty="0" err="1"/>
-              <a:t>add</a:t>
-            </a:r>
-            <a:r>
-              <a:rPr lang="es-MX" altLang="es-MX" sz="1600" dirty="0"/>
-              <a:t>().</a:t>
-            </a:r>
-          </a:p>
-          <a:p>
-            <a:pPr marL="0" marR="0" lvl="0" indent="0" algn="l" defTabSz="914400" rtl="0" eaLnBrk="0" fontAlgn="base" latinLnBrk="0" hangingPunct="0">
-              <a:lnSpc>
-                <a:spcPct val="100000"/>
-              </a:lnSpc>
-              <a:spcBef>
-                <a:spcPct val="0"/>
-              </a:spcBef>
-              <a:spcAft>
-                <a:spcPct val="0"/>
-              </a:spcAft>
-              <a:buClrTx/>
-              <a:buSzTx/>
-              <a:buFontTx/>
-              <a:buChar char="•"/>
-              <a:tabLst/>
-            </a:pPr>
-            <a:r>
-              <a:rPr lang="es-MX" altLang="es-MX" sz="1600" dirty="0"/>
-              <a:t>Muestra un mensaje en </a:t>
-            </a:r>
-            <a:r>
-              <a:rPr lang="es-MX" altLang="es-MX" sz="1600" dirty="0" err="1"/>
-              <a:t>TextArea</a:t>
-            </a:r>
-            <a:r>
-              <a:rPr lang="es-MX" altLang="es-MX" sz="1600" dirty="0"/>
-              <a:t>.</a:t>
-            </a:r>
-          </a:p>
-          <a:p>
-            <a:pPr marL="0" marR="0" lvl="0" indent="0" algn="l" defTabSz="914400" rtl="0" eaLnBrk="0" fontAlgn="base" latinLnBrk="0" hangingPunct="0">
-              <a:lnSpc>
-                <a:spcPct val="100000"/>
-              </a:lnSpc>
-              <a:spcBef>
-                <a:spcPct val="0"/>
-              </a:spcBef>
-              <a:spcAft>
-                <a:spcPct val="0"/>
-              </a:spcAft>
-              <a:buClrTx/>
-              <a:buSzTx/>
-              <a:buFontTx/>
-              <a:buChar char="•"/>
-              <a:tabLst/>
-            </a:pPr>
-            <a:r>
-              <a:rPr lang="es-MX" altLang="es-MX" sz="1600" dirty="0"/>
-              <a:t>Limpia el campo de entrada.</a:t>
-            </a:r>
-          </a:p>
-        </p:txBody>
-      </p:sp>
+        </p:spPr>
+      </p:pic>
       <p:sp>
         <p:nvSpPr>
           <p:cNvPr id="8" name="CuadroTexto 7">
             <a:extLst>
               <a:ext uri="{FF2B5EF4-FFF2-40B4-BE49-F238E27FC236}">
-                <a16:creationId xmlns:a16="http://schemas.microsoft.com/office/drawing/2014/main" id="{DC23169B-C5CE-1E4D-E6CB-8E1F29ADF9A4}"/>
+                <a16:creationId xmlns:a16="http://schemas.microsoft.com/office/drawing/2014/main" id="{727EF41D-C452-1BEF-7076-64D43DE3BCE8}"/>
               </a:ext>
             </a:extLst>
           </p:cNvPr>
@@ -6837,70 +6318,67 @@
         </p:nvSpPr>
         <p:spPr>
           <a:xfrm>
-            <a:off x="731520" y="3429000"/>
-            <a:ext cx="6131293" cy="2009274"/>
+            <a:off x="6945329" y="1160980"/>
+            <a:ext cx="4942603" cy="2031325"/>
           </a:xfrm>
           <a:prstGeom prst="rect">
             <a:avLst/>
           </a:prstGeom>
           <a:noFill/>
-          <a:ln>
-            <a:solidFill>
-              <a:schemeClr val="accent1"/>
-            </a:solidFill>
-          </a:ln>
-        </p:spPr>
-        <p:txBody>
-          <a:bodyPr wrap="square" rtlCol="0">
+        </p:spPr>
+        <p:txBody>
+          <a:bodyPr wrap="square">
             <a:spAutoFit/>
           </a:bodyPr>
           <a:lstStyle/>
           <a:p>
-            <a:endParaRPr lang="es-MX" dirty="0"/>
-          </a:p>
-        </p:txBody>
-      </p:sp>
-      <p:sp>
-        <p:nvSpPr>
-          <p:cNvPr id="9" name="CuadroTexto 8">
-            <a:extLst>
-              <a:ext uri="{FF2B5EF4-FFF2-40B4-BE49-F238E27FC236}">
-                <a16:creationId xmlns:a16="http://schemas.microsoft.com/office/drawing/2014/main" id="{EA8ACE7A-A6A2-6308-9EBE-72D2FBD3D8DB}"/>
-              </a:ext>
-            </a:extLst>
-          </p:cNvPr>
-          <p:cNvSpPr txBox="1"/>
-          <p:nvPr/>
-        </p:nvSpPr>
-        <p:spPr>
-          <a:xfrm>
-            <a:off x="731520" y="1828800"/>
-            <a:ext cx="5226518" cy="802716"/>
-          </a:xfrm>
-          <a:prstGeom prst="rect">
-            <a:avLst/>
-          </a:prstGeom>
-          <a:noFill/>
-          <a:ln>
-            <a:solidFill>
-              <a:schemeClr val="accent1"/>
-            </a:solidFill>
-          </a:ln>
-        </p:spPr>
-        <p:txBody>
-          <a:bodyPr wrap="square" rtlCol="0">
-            <a:spAutoFit/>
-          </a:bodyPr>
-          <a:lstStyle/>
-          <a:p>
-            <a:endParaRPr lang="es-MX" dirty="0"/>
+            <a:r>
+              <a:rPr lang="es-MX" dirty="0">
+                <a:solidFill>
+                  <a:schemeClr val="bg1"/>
+                </a:solidFill>
+              </a:rPr>
+              <a:t>La </a:t>
+            </a:r>
+            <a:r>
+              <a:rPr lang="es-MX" b="1" dirty="0">
+                <a:solidFill>
+                  <a:schemeClr val="bg1"/>
+                </a:solidFill>
+              </a:rPr>
+              <a:t>clase Pila</a:t>
+            </a:r>
+            <a:r>
+              <a:rPr lang="es-MX" dirty="0">
+                <a:solidFill>
+                  <a:schemeClr val="bg1"/>
+                </a:solidFill>
+              </a:rPr>
+              <a:t> implementa una estructura LIFO, donde el último elemento agregado es el primero en eliminarse. En el código, la pila permite apilar y </a:t>
+            </a:r>
+            <a:r>
+              <a:rPr lang="es-MX" dirty="0" err="1">
+                <a:solidFill>
+                  <a:schemeClr val="bg1"/>
+                </a:solidFill>
+              </a:rPr>
+              <a:t>desapilar</a:t>
+            </a:r>
+            <a:r>
+              <a:rPr lang="es-MX" dirty="0">
+                <a:solidFill>
+                  <a:schemeClr val="bg1"/>
+                </a:solidFill>
+              </a:rPr>
+              <a:t> datos ingresados por el usuario desde la interfaz gráfica, mostrando el resultado de cada operación.</a:t>
+            </a:r>
           </a:p>
         </p:txBody>
       </p:sp>
     </p:spTree>
     <p:extLst>
       <p:ext uri="{BB962C8B-B14F-4D97-AF65-F5344CB8AC3E}">
-        <p14:creationId xmlns:p14="http://schemas.microsoft.com/office/powerpoint/2010/main" val="2763525982"/>
+        <p14:creationId xmlns:p14="http://schemas.microsoft.com/office/powerpoint/2010/main" val="3508595838"/>
       </p:ext>
     </p:extLst>
   </p:cSld>
@@ -6932,7 +6410,7 @@
           <p:cNvPr id="2" name="Título 1">
             <a:extLst>
               <a:ext uri="{FF2B5EF4-FFF2-40B4-BE49-F238E27FC236}">
-                <a16:creationId xmlns:a16="http://schemas.microsoft.com/office/drawing/2014/main" id="{DD5B366B-C166-8E79-3FD5-3479A4DF5043}"/>
+                <a16:creationId xmlns:a16="http://schemas.microsoft.com/office/drawing/2014/main" id="{2EF30BAC-4BAC-B731-5C62-43507AB10317}"/>
               </a:ext>
             </a:extLst>
           </p:cNvPr>
@@ -6943,18 +6421,19 @@
             <p:ph type="title"/>
           </p:nvPr>
         </p:nvSpPr>
-        <p:spPr/>
+        <p:spPr>
+          <a:xfrm>
+            <a:off x="273245" y="0"/>
+            <a:ext cx="3148049" cy="836772"/>
+          </a:xfrm>
+        </p:spPr>
         <p:txBody>
           <a:bodyPr/>
           <a:lstStyle/>
           <a:p>
             <a:r>
-              <a:rPr lang="es-MX" dirty="0" err="1"/>
-              <a:t>Part</a:t>
-            </a:r>
-            <a:r>
               <a:rPr lang="es-MX" dirty="0"/>
-              <a:t> 2</a:t>
+              <a:t>COLA (FIFO)</a:t>
             </a:r>
           </a:p>
         </p:txBody>
@@ -6964,7 +6443,7 @@
           <p:cNvPr id="5" name="Marcador de contenido 4">
             <a:extLst>
               <a:ext uri="{FF2B5EF4-FFF2-40B4-BE49-F238E27FC236}">
-                <a16:creationId xmlns:a16="http://schemas.microsoft.com/office/drawing/2014/main" id="{2B4C4A0A-C810-C1B7-4DC8-32977DE2E3D3}"/>
+                <a16:creationId xmlns:a16="http://schemas.microsoft.com/office/drawing/2014/main" id="{75FAAE37-B0E7-9DB9-073B-14369421C271}"/>
               </a:ext>
             </a:extLst>
           </p:cNvPr>
@@ -6983,298 +6462,47 @@
         </p:blipFill>
         <p:spPr>
           <a:xfrm>
-            <a:off x="534105" y="2057222"/>
-            <a:ext cx="6550642" cy="3449638"/>
+            <a:off x="129021" y="942654"/>
+            <a:ext cx="5316282" cy="5592024"/>
           </a:xfrm>
         </p:spPr>
       </p:pic>
-      <p:sp>
-        <p:nvSpPr>
-          <p:cNvPr id="6" name="Rectangle 1">
+      <p:pic>
+        <p:nvPicPr>
+          <p:cNvPr id="6" name="Imagen 5">
             <a:extLst>
               <a:ext uri="{FF2B5EF4-FFF2-40B4-BE49-F238E27FC236}">
-                <a16:creationId xmlns:a16="http://schemas.microsoft.com/office/drawing/2014/main" id="{39C260DA-25C6-9F81-2E47-B524B3DC116B}"/>
+                <a16:creationId xmlns:a16="http://schemas.microsoft.com/office/drawing/2014/main" id="{7BA0F847-BC66-5660-0022-6461A4111BC2}"/>
               </a:ext>
             </a:extLst>
           </p:cNvPr>
-          <p:cNvSpPr>
-            <a:spLocks noChangeArrowheads="1"/>
-          </p:cNvSpPr>
+          <p:cNvPicPr>
+            <a:picLocks noChangeAspect="1"/>
+          </p:cNvPicPr>
           <p:nvPr/>
-        </p:nvSpPr>
-        <p:spPr bwMode="auto">
+        </p:nvPicPr>
+        <p:blipFill>
+          <a:blip r:embed="rId3"/>
+          <a:stretch>
+            <a:fillRect/>
+          </a:stretch>
+        </p:blipFill>
+        <p:spPr>
           <a:xfrm>
-            <a:off x="7425825" y="2285999"/>
-            <a:ext cx="4232070" cy="1815882"/>
+            <a:off x="7628089" y="3269557"/>
+            <a:ext cx="3344711" cy="3337722"/>
           </a:xfrm>
           <a:prstGeom prst="rect">
             <a:avLst/>
           </a:prstGeom>
-          <a:noFill/>
-          <a:ln>
-            <a:noFill/>
-          </a:ln>
-          <a:effectLst/>
-          <a:extLst>
-            <a:ext uri="{909E8E84-426E-40DD-AFC4-6F175D3DCCD1}">
-              <a14:hiddenFill xmlns:a14="http://schemas.microsoft.com/office/drawing/2010/main">
-                <a:solidFill>
-                  <a:schemeClr val="accent1"/>
-                </a:solidFill>
-              </a14:hiddenFill>
-            </a:ext>
-            <a:ext uri="{91240B29-F687-4F45-9708-019B960494DF}">
-              <a14:hiddenLine xmlns:a14="http://schemas.microsoft.com/office/drawing/2010/main" w="9525">
-                <a:solidFill>
-                  <a:schemeClr val="tx1"/>
-                </a:solidFill>
-                <a:miter lim="800000"/>
-                <a:headEnd/>
-                <a:tailEnd/>
-              </a14:hiddenLine>
-            </a:ext>
-            <a:ext uri="{AF507438-7753-43E0-B8FC-AC1667EBCBE1}">
-              <a14:hiddenEffects xmlns:a14="http://schemas.microsoft.com/office/drawing/2010/main">
-                <a:effectLst>
-                  <a:outerShdw dist="35921" dir="2700000" algn="ctr" rotWithShape="0">
-                    <a:schemeClr val="bg2"/>
-                  </a:outerShdw>
-                </a:effectLst>
-              </a14:hiddenEffects>
-            </a:ext>
-          </a:extLst>
-        </p:spPr>
-        <p:txBody>
-          <a:bodyPr vert="horz" wrap="square" lIns="91440" tIns="45720" rIns="91440" bIns="45720" numCol="1" anchor="ctr" anchorCtr="0" compatLnSpc="1">
-            <a:prstTxWarp prst="textNoShape">
-              <a:avLst/>
-            </a:prstTxWarp>
-            <a:spAutoFit/>
-          </a:bodyPr>
-          <a:lstStyle/>
-          <a:p>
-            <a:pPr marL="0" marR="0" lvl="0" indent="0" algn="l" defTabSz="914400" rtl="0" eaLnBrk="0" fontAlgn="base" latinLnBrk="0" hangingPunct="0">
-              <a:lnSpc>
-                <a:spcPct val="100000"/>
-              </a:lnSpc>
-              <a:spcBef>
-                <a:spcPct val="0"/>
-              </a:spcBef>
-              <a:spcAft>
-                <a:spcPct val="0"/>
-              </a:spcAft>
-              <a:buClrTx/>
-              <a:buSzTx/>
-              <a:buFontTx/>
-              <a:buNone/>
-              <a:tabLst/>
-            </a:pPr>
-            <a:endParaRPr lang="es-MX" altLang="es-MX" sz="1600" dirty="0"/>
-          </a:p>
-          <a:p>
-            <a:pPr marL="0" marR="0" lvl="0" indent="0" algn="l" defTabSz="914400" rtl="0" eaLnBrk="0" fontAlgn="base" latinLnBrk="0" hangingPunct="0">
-              <a:lnSpc>
-                <a:spcPct val="100000"/>
-              </a:lnSpc>
-              <a:spcBef>
-                <a:spcPct val="0"/>
-              </a:spcBef>
-              <a:spcAft>
-                <a:spcPct val="0"/>
-              </a:spcAft>
-              <a:buClrTx/>
-              <a:buSzTx/>
-              <a:buFontTx/>
-              <a:buChar char="•"/>
-              <a:tabLst/>
-            </a:pPr>
-            <a:r>
-              <a:rPr lang="es-MX" altLang="es-MX" sz="1600" dirty="0" err="1"/>
-              <a:t>poll</a:t>
-            </a:r>
-            <a:r>
-              <a:rPr lang="es-MX" altLang="es-MX" sz="1600" dirty="0"/>
-              <a:t>() elimina el primer elemento de la cola (FIFO).</a:t>
-            </a:r>
-          </a:p>
-          <a:p>
-            <a:pPr marL="0" marR="0" lvl="0" indent="0" algn="l" defTabSz="914400" rtl="0" eaLnBrk="0" fontAlgn="base" latinLnBrk="0" hangingPunct="0">
-              <a:lnSpc>
-                <a:spcPct val="100000"/>
-              </a:lnSpc>
-              <a:spcBef>
-                <a:spcPct val="0"/>
-              </a:spcBef>
-              <a:spcAft>
-                <a:spcPct val="0"/>
-              </a:spcAft>
-              <a:buClrTx/>
-              <a:buSzTx/>
-              <a:buFontTx/>
-              <a:buChar char="•"/>
-              <a:tabLst/>
-            </a:pPr>
-            <a:r>
-              <a:rPr lang="es-MX" altLang="es-MX" sz="1600" dirty="0"/>
-              <a:t>Si la cola está vacía, muestra un mensaje de advertencia.</a:t>
-            </a:r>
-          </a:p>
-          <a:p>
-            <a:pPr marL="0" marR="0" lvl="0" indent="0" algn="l" defTabSz="914400" rtl="0" eaLnBrk="0" fontAlgn="base" latinLnBrk="0" hangingPunct="0">
-              <a:lnSpc>
-                <a:spcPct val="100000"/>
-              </a:lnSpc>
-              <a:spcBef>
-                <a:spcPct val="0"/>
-              </a:spcBef>
-              <a:spcAft>
-                <a:spcPct val="0"/>
-              </a:spcAft>
-              <a:buClrTx/>
-              <a:buSzTx/>
-              <a:buFontTx/>
-              <a:buNone/>
-              <a:tabLst/>
-            </a:pPr>
-            <a:r>
-              <a:rPr lang="es-MX" altLang="es-MX" sz="1600" dirty="0"/>
-              <a:t>Para la lista, podrías eliminar el último elemento con </a:t>
-            </a:r>
-            <a:r>
-              <a:rPr lang="es-MX" altLang="es-MX" sz="1600" dirty="0" err="1"/>
-              <a:t>lista.remove</a:t>
-            </a:r>
-            <a:r>
-              <a:rPr lang="es-MX" altLang="es-MX" sz="1600" dirty="0"/>
-              <a:t>(</a:t>
-            </a:r>
-            <a:r>
-              <a:rPr lang="es-MX" altLang="es-MX" sz="1600" dirty="0" err="1"/>
-              <a:t>lista.size</a:t>
-            </a:r>
-            <a:r>
-              <a:rPr lang="es-MX" altLang="es-MX" sz="1600" dirty="0"/>
-              <a:t>() - 1).</a:t>
-            </a:r>
-          </a:p>
-        </p:txBody>
-      </p:sp>
-      <p:sp>
-        <p:nvSpPr>
-          <p:cNvPr id="7" name="Rectangle 2">
-            <a:extLst>
-              <a:ext uri="{FF2B5EF4-FFF2-40B4-BE49-F238E27FC236}">
-                <a16:creationId xmlns:a16="http://schemas.microsoft.com/office/drawing/2014/main" id="{FC60F57A-9E25-C951-458C-56CAD2E11FA1}"/>
-              </a:ext>
-            </a:extLst>
-          </p:cNvPr>
-          <p:cNvSpPr>
-            <a:spLocks noChangeArrowheads="1"/>
-          </p:cNvSpPr>
-          <p:nvPr/>
-        </p:nvSpPr>
-        <p:spPr bwMode="auto">
-          <a:xfrm>
-            <a:off x="7392070" y="4452232"/>
-            <a:ext cx="3032089" cy="1323439"/>
-          </a:xfrm>
-          <a:prstGeom prst="rect">
-            <a:avLst/>
-          </a:prstGeom>
-          <a:noFill/>
-          <a:ln>
-            <a:noFill/>
-          </a:ln>
-          <a:effectLst/>
-          <a:extLst>
-            <a:ext uri="{909E8E84-426E-40DD-AFC4-6F175D3DCCD1}">
-              <a14:hiddenFill xmlns:a14="http://schemas.microsoft.com/office/drawing/2010/main">
-                <a:solidFill>
-                  <a:schemeClr val="accent1"/>
-                </a:solidFill>
-              </a14:hiddenFill>
-            </a:ext>
-            <a:ext uri="{91240B29-F687-4F45-9708-019B960494DF}">
-              <a14:hiddenLine xmlns:a14="http://schemas.microsoft.com/office/drawing/2010/main" w="9525">
-                <a:solidFill>
-                  <a:schemeClr val="tx1"/>
-                </a:solidFill>
-                <a:miter lim="800000"/>
-                <a:headEnd/>
-                <a:tailEnd/>
-              </a14:hiddenLine>
-            </a:ext>
-            <a:ext uri="{AF507438-7753-43E0-B8FC-AC1667EBCBE1}">
-              <a14:hiddenEffects xmlns:a14="http://schemas.microsoft.com/office/drawing/2010/main">
-                <a:effectLst>
-                  <a:outerShdw dist="35921" dir="2700000" algn="ctr" rotWithShape="0">
-                    <a:schemeClr val="bg2"/>
-                  </a:outerShdw>
-                </a:effectLst>
-              </a14:hiddenEffects>
-            </a:ext>
-          </a:extLst>
-        </p:spPr>
-        <p:txBody>
-          <a:bodyPr vert="horz" wrap="square" lIns="91440" tIns="45720" rIns="91440" bIns="45720" numCol="1" anchor="ctr" anchorCtr="0" compatLnSpc="1">
-            <a:prstTxWarp prst="textNoShape">
-              <a:avLst/>
-            </a:prstTxWarp>
-            <a:spAutoFit/>
-          </a:bodyPr>
-          <a:lstStyle/>
-          <a:p>
-            <a:pPr marL="0" marR="0" lvl="0" indent="0" algn="l" defTabSz="914400" rtl="0" eaLnBrk="0" fontAlgn="base" latinLnBrk="0" hangingPunct="0">
-              <a:lnSpc>
-                <a:spcPct val="100000"/>
-              </a:lnSpc>
-              <a:spcBef>
-                <a:spcPct val="0"/>
-              </a:spcBef>
-              <a:spcAft>
-                <a:spcPct val="0"/>
-              </a:spcAft>
-              <a:buClrTx/>
-              <a:buSzTx/>
-              <a:buFontTx/>
-              <a:buChar char="•"/>
-              <a:tabLst/>
-            </a:pPr>
-            <a:r>
-              <a:rPr lang="es-MX" altLang="es-MX" sz="1600"/>
-              <a:t>Muestra todos los elementos de la cola en su orden lineal.</a:t>
-            </a:r>
-          </a:p>
-          <a:p>
-            <a:pPr marL="0" marR="0" lvl="0" indent="0" algn="l" defTabSz="914400" rtl="0" eaLnBrk="0" fontAlgn="base" latinLnBrk="0" hangingPunct="0">
-              <a:lnSpc>
-                <a:spcPct val="100000"/>
-              </a:lnSpc>
-              <a:spcBef>
-                <a:spcPct val="0"/>
-              </a:spcBef>
-              <a:spcAft>
-                <a:spcPct val="0"/>
-              </a:spcAft>
-              <a:buClrTx/>
-              <a:buSzTx/>
-              <a:buFontTx/>
-              <a:buChar char="•"/>
-              <a:tabLst/>
-            </a:pPr>
-            <a:r>
-              <a:rPr lang="es-MX" altLang="es-MX" sz="1600"/>
-              <a:t>Para la lista, se usaría outputArea.appendText("Elementos de la lista: " + lista + "\n");.</a:t>
-            </a:r>
-          </a:p>
-        </p:txBody>
-      </p:sp>
+        </p:spPr>
+      </p:pic>
       <p:sp>
         <p:nvSpPr>
           <p:cNvPr id="8" name="CuadroTexto 7">
             <a:extLst>
               <a:ext uri="{FF2B5EF4-FFF2-40B4-BE49-F238E27FC236}">
-                <a16:creationId xmlns:a16="http://schemas.microsoft.com/office/drawing/2014/main" id="{3EF0A06A-7CA1-F16B-08AF-7C4081E3E15D}"/>
+                <a16:creationId xmlns:a16="http://schemas.microsoft.com/office/drawing/2014/main" id="{7870680B-CC7E-A888-3750-3473573937D2}"/>
               </a:ext>
             </a:extLst>
           </p:cNvPr>
@@ -7283,70 +6511,51 @@
         </p:nvSpPr>
         <p:spPr>
           <a:xfrm>
-            <a:off x="1540042" y="2512194"/>
-            <a:ext cx="5428649" cy="1135781"/>
+            <a:off x="7366570" y="942654"/>
+            <a:ext cx="4313907" cy="2031325"/>
           </a:xfrm>
           <a:prstGeom prst="rect">
             <a:avLst/>
           </a:prstGeom>
           <a:noFill/>
-          <a:ln>
-            <a:solidFill>
-              <a:srgbClr val="00B0F0"/>
-            </a:solidFill>
-          </a:ln>
-        </p:spPr>
-        <p:txBody>
-          <a:bodyPr wrap="square" rtlCol="0">
+        </p:spPr>
+        <p:txBody>
+          <a:bodyPr wrap="square">
             <a:spAutoFit/>
           </a:bodyPr>
           <a:lstStyle/>
           <a:p>
-            <a:endParaRPr lang="es-MX" dirty="0"/>
-          </a:p>
-        </p:txBody>
-      </p:sp>
-      <p:sp>
-        <p:nvSpPr>
-          <p:cNvPr id="9" name="CuadroTexto 8">
-            <a:extLst>
-              <a:ext uri="{FF2B5EF4-FFF2-40B4-BE49-F238E27FC236}">
-                <a16:creationId xmlns:a16="http://schemas.microsoft.com/office/drawing/2014/main" id="{C5FB8DE5-8204-377A-5E60-03569D8B9D37}"/>
-              </a:ext>
-            </a:extLst>
-          </p:cNvPr>
-          <p:cNvSpPr txBox="1"/>
-          <p:nvPr/>
-        </p:nvSpPr>
-        <p:spPr>
-          <a:xfrm>
-            <a:off x="1295402" y="4101881"/>
-            <a:ext cx="5355655" cy="787753"/>
-          </a:xfrm>
-          <a:prstGeom prst="rect">
-            <a:avLst/>
-          </a:prstGeom>
-          <a:noFill/>
-          <a:ln>
-            <a:solidFill>
-              <a:srgbClr val="00B0F0"/>
-            </a:solidFill>
-          </a:ln>
-        </p:spPr>
-        <p:txBody>
-          <a:bodyPr wrap="square" rtlCol="0">
-            <a:spAutoFit/>
-          </a:bodyPr>
-          <a:lstStyle/>
-          <a:p>
-            <a:endParaRPr lang="es-MX" dirty="0"/>
+            <a:r>
+              <a:rPr lang="es-MX" dirty="0">
+                <a:solidFill>
+                  <a:schemeClr val="bg1"/>
+                </a:solidFill>
+              </a:rPr>
+              <a:t>La </a:t>
+            </a:r>
+            <a:r>
+              <a:rPr lang="es-MX" b="1" dirty="0">
+                <a:solidFill>
+                  <a:schemeClr val="bg1"/>
+                </a:solidFill>
+              </a:rPr>
+              <a:t>clase Cola</a:t>
+            </a:r>
+            <a:r>
+              <a:rPr lang="es-MX" dirty="0">
+                <a:solidFill>
+                  <a:schemeClr val="bg1"/>
+                </a:solidFill>
+              </a:rPr>
+              <a:t> implementa una estructura FIFO, en la cual el primer elemento en entrar es el primero en salir. El código permite encolar y desencolar elementos, manteniendo el orden de llegada y reflejando los cambios en pantalla.</a:t>
+            </a:r>
           </a:p>
         </p:txBody>
       </p:sp>
     </p:spTree>
     <p:extLst>
       <p:ext uri="{BB962C8B-B14F-4D97-AF65-F5344CB8AC3E}">
-        <p14:creationId xmlns:p14="http://schemas.microsoft.com/office/powerpoint/2010/main" val="3586225275"/>
+        <p14:creationId xmlns:p14="http://schemas.microsoft.com/office/powerpoint/2010/main" val="679168609"/>
       </p:ext>
     </p:extLst>
   </p:cSld>
@@ -7378,7 +6587,7 @@
           <p:cNvPr id="2" name="Título 1">
             <a:extLst>
               <a:ext uri="{FF2B5EF4-FFF2-40B4-BE49-F238E27FC236}">
-                <a16:creationId xmlns:a16="http://schemas.microsoft.com/office/drawing/2014/main" id="{0362BB22-6A7A-B367-572A-424BB1404316}"/>
+                <a16:creationId xmlns:a16="http://schemas.microsoft.com/office/drawing/2014/main" id="{256E0E6A-8B6F-6715-3099-AA9C90F3B070}"/>
               </a:ext>
             </a:extLst>
           </p:cNvPr>
@@ -7389,14 +6598,19 @@
             <p:ph type="title"/>
           </p:nvPr>
         </p:nvSpPr>
-        <p:spPr/>
+        <p:spPr>
+          <a:xfrm>
+            <a:off x="283520" y="0"/>
+            <a:ext cx="1319249" cy="670295"/>
+          </a:xfrm>
+        </p:spPr>
         <p:txBody>
           <a:bodyPr/>
           <a:lstStyle/>
           <a:p>
             <a:r>
               <a:rPr lang="es-MX" dirty="0"/>
-              <a:t>Resultado de la ejecución </a:t>
+              <a:t>LISTA</a:t>
             </a:r>
           </a:p>
         </p:txBody>
@@ -7406,7 +6620,7 @@
           <p:cNvPr id="5" name="Marcador de contenido 4">
             <a:extLst>
               <a:ext uri="{FF2B5EF4-FFF2-40B4-BE49-F238E27FC236}">
-                <a16:creationId xmlns:a16="http://schemas.microsoft.com/office/drawing/2014/main" id="{C4BB8BCF-2134-931C-0198-BD6AC9F13186}"/>
+                <a16:creationId xmlns:a16="http://schemas.microsoft.com/office/drawing/2014/main" id="{776CDEA9-80BB-1B6A-7926-7DDB2730BD55}"/>
               </a:ext>
             </a:extLst>
           </p:cNvPr>
@@ -7425,139 +6639,92 @@
         </p:blipFill>
         <p:spPr>
           <a:xfrm>
-            <a:off x="1021075" y="2139415"/>
-            <a:ext cx="3109822" cy="3449638"/>
+            <a:off x="95529" y="872593"/>
+            <a:ext cx="6880624" cy="5773951"/>
           </a:xfrm>
         </p:spPr>
       </p:pic>
-      <p:sp>
-        <p:nvSpPr>
-          <p:cNvPr id="6" name="Rectangle 1">
+      <p:pic>
+        <p:nvPicPr>
+          <p:cNvPr id="6" name="Imagen 5">
             <a:extLst>
               <a:ext uri="{FF2B5EF4-FFF2-40B4-BE49-F238E27FC236}">
-                <a16:creationId xmlns:a16="http://schemas.microsoft.com/office/drawing/2014/main" id="{E57D7D34-DF83-77DC-9330-4B4AF3644C2C}"/>
+                <a16:creationId xmlns:a16="http://schemas.microsoft.com/office/drawing/2014/main" id="{133DC3A8-21E3-D243-E9C0-33405D69CA37}"/>
               </a:ext>
             </a:extLst>
           </p:cNvPr>
-          <p:cNvSpPr>
-            <a:spLocks noChangeArrowheads="1"/>
-          </p:cNvSpPr>
+          <p:cNvPicPr>
+            <a:picLocks noChangeAspect="1"/>
+          </p:cNvPicPr>
           <p:nvPr/>
-        </p:nvSpPr>
-        <p:spPr bwMode="auto">
+        </p:nvPicPr>
+        <p:blipFill>
+          <a:blip r:embed="rId3"/>
+          <a:stretch>
+            <a:fillRect/>
+          </a:stretch>
+        </p:blipFill>
+        <p:spPr>
           <a:xfrm>
-            <a:off x="4421326" y="3014196"/>
-            <a:ext cx="7279557" cy="923330"/>
+            <a:off x="8071264" y="3284638"/>
+            <a:ext cx="3171824" cy="3424237"/>
+          </a:xfrm>
+          <a:prstGeom prst="rect">
+            <a:avLst/>
+          </a:prstGeom>
+        </p:spPr>
+      </p:pic>
+      <p:sp>
+        <p:nvSpPr>
+          <p:cNvPr id="8" name="CuadroTexto 7">
+            <a:extLst>
+              <a:ext uri="{FF2B5EF4-FFF2-40B4-BE49-F238E27FC236}">
+                <a16:creationId xmlns:a16="http://schemas.microsoft.com/office/drawing/2014/main" id="{01358DF7-7715-C8B4-97DC-F4F973141E3F}"/>
+              </a:ext>
+            </a:extLst>
+          </p:cNvPr>
+          <p:cNvSpPr txBox="1"/>
+          <p:nvPr/>
+        </p:nvSpPr>
+        <p:spPr>
+          <a:xfrm>
+            <a:off x="8071264" y="422316"/>
+            <a:ext cx="3628432" cy="2308324"/>
           </a:xfrm>
           <a:prstGeom prst="rect">
             <a:avLst/>
           </a:prstGeom>
           <a:noFill/>
-          <a:ln>
-            <a:noFill/>
-          </a:ln>
-          <a:effectLst/>
-          <a:extLst>
-            <a:ext uri="{909E8E84-426E-40DD-AFC4-6F175D3DCCD1}">
-              <a14:hiddenFill xmlns:a14="http://schemas.microsoft.com/office/drawing/2010/main">
-                <a:solidFill>
-                  <a:schemeClr val="accent1"/>
-                </a:solidFill>
-              </a14:hiddenFill>
-            </a:ext>
-            <a:ext uri="{91240B29-F687-4F45-9708-019B960494DF}">
-              <a14:hiddenLine xmlns:a14="http://schemas.microsoft.com/office/drawing/2010/main" w="9525">
-                <a:solidFill>
-                  <a:schemeClr val="tx1"/>
-                </a:solidFill>
-                <a:miter lim="800000"/>
-                <a:headEnd/>
-                <a:tailEnd/>
-              </a14:hiddenLine>
-            </a:ext>
-            <a:ext uri="{AF507438-7753-43E0-B8FC-AC1667EBCBE1}">
-              <a14:hiddenEffects xmlns:a14="http://schemas.microsoft.com/office/drawing/2010/main">
-                <a:effectLst>
-                  <a:outerShdw dist="35921" dir="2700000" algn="ctr" rotWithShape="0">
-                    <a:schemeClr val="bg2"/>
-                  </a:outerShdw>
-                </a:effectLst>
-              </a14:hiddenEffects>
-            </a:ext>
-          </a:extLst>
-        </p:spPr>
-        <p:txBody>
-          <a:bodyPr vert="horz" wrap="none" lIns="91440" tIns="45720" rIns="91440" bIns="45720" numCol="1" anchor="ctr" anchorCtr="0" compatLnSpc="1">
-            <a:prstTxWarp prst="textNoShape">
-              <a:avLst/>
-            </a:prstTxWarp>
+        </p:spPr>
+        <p:txBody>
+          <a:bodyPr wrap="square">
             <a:spAutoFit/>
           </a:bodyPr>
           <a:lstStyle/>
           <a:p>
-            <a:pPr marL="0" marR="0" lvl="0" indent="0" algn="l" defTabSz="914400" rtl="0" eaLnBrk="0" fontAlgn="base" latinLnBrk="0" hangingPunct="0">
-              <a:lnSpc>
-                <a:spcPct val="100000"/>
-              </a:lnSpc>
-              <a:spcBef>
-                <a:spcPct val="0"/>
-              </a:spcBef>
-              <a:spcAft>
-                <a:spcPct val="0"/>
-              </a:spcAft>
-              <a:buClrTx/>
-              <a:buSzTx/>
-              <a:buFontTx/>
-              <a:buChar char="•"/>
-              <a:tabLst/>
-            </a:pPr>
-            <a:r>
-              <a:rPr lang="es-MX" altLang="es-MX"/>
-              <a:t>El usuario ingresa un valor y presiona Agregar → se añade al final de la cola.</a:t>
-            </a:r>
-          </a:p>
-          <a:p>
-            <a:pPr marL="0" marR="0" lvl="0" indent="0" algn="l" defTabSz="914400" rtl="0" eaLnBrk="0" fontAlgn="base" latinLnBrk="0" hangingPunct="0">
-              <a:lnSpc>
-                <a:spcPct val="100000"/>
-              </a:lnSpc>
-              <a:spcBef>
-                <a:spcPct val="0"/>
-              </a:spcBef>
-              <a:spcAft>
-                <a:spcPct val="0"/>
-              </a:spcAft>
-              <a:buClrTx/>
-              <a:buSzTx/>
-              <a:buFontTx/>
-              <a:buChar char="•"/>
-              <a:tabLst/>
-            </a:pPr>
-            <a:r>
-              <a:rPr lang="es-MX" altLang="es-MX"/>
-              <a:t>Presiona Eliminar → se quita el primer elemento de la cola (FIFO).</a:t>
-            </a:r>
-          </a:p>
-          <a:p>
-            <a:pPr marL="0" marR="0" lvl="0" indent="0" algn="l" defTabSz="914400" rtl="0" eaLnBrk="0" fontAlgn="base" latinLnBrk="0" hangingPunct="0">
-              <a:lnSpc>
-                <a:spcPct val="100000"/>
-              </a:lnSpc>
-              <a:spcBef>
-                <a:spcPct val="0"/>
-              </a:spcBef>
-              <a:spcAft>
-                <a:spcPct val="0"/>
-              </a:spcAft>
-              <a:buClrTx/>
-              <a:buSzTx/>
-              <a:buFontTx/>
-              <a:buChar char="•"/>
-              <a:tabLst/>
-            </a:pPr>
-            <a:r>
-              <a:rPr lang="es-MX" altLang="es-MX"/>
-              <a:t>Presiona Mostrar → se ven todos los elementos actuales en la cola.</a:t>
+            <a:r>
+              <a:rPr lang="es-MX" dirty="0">
+                <a:solidFill>
+                  <a:schemeClr val="bg1"/>
+                </a:solidFill>
+              </a:rPr>
+              <a:t>La </a:t>
+            </a:r>
+            <a:r>
+              <a:rPr lang="es-MX" b="1" dirty="0">
+                <a:solidFill>
+                  <a:schemeClr val="bg1"/>
+                </a:solidFill>
+              </a:rPr>
+              <a:t>clase Lista</a:t>
+            </a:r>
+            <a:r>
+              <a:rPr lang="es-MX" dirty="0">
+                <a:solidFill>
+                  <a:schemeClr val="bg1"/>
+                </a:solidFill>
+              </a:rPr>
+              <a:t> representa una estructura lineal flexible que permite agregar y eliminar elementos sin un orden estricto. El usuario puede modificar la lista dinámicamente y visualizar los resultados de cada acción.</a:t>
             </a:r>
           </a:p>
         </p:txBody>
@@ -7565,7 +6732,7 @@
     </p:spTree>
     <p:extLst>
       <p:ext uri="{BB962C8B-B14F-4D97-AF65-F5344CB8AC3E}">
-        <p14:creationId xmlns:p14="http://schemas.microsoft.com/office/powerpoint/2010/main" val="2384533240"/>
+        <p14:creationId xmlns:p14="http://schemas.microsoft.com/office/powerpoint/2010/main" val="2609618764"/>
       </p:ext>
     </p:extLst>
   </p:cSld>
@@ -7597,7 +6764,7 @@
           <p:cNvPr id="2" name="Título 1">
             <a:extLst>
               <a:ext uri="{FF2B5EF4-FFF2-40B4-BE49-F238E27FC236}">
-                <a16:creationId xmlns:a16="http://schemas.microsoft.com/office/drawing/2014/main" id="{DD849591-7302-12F4-4208-E4D21D766F49}"/>
+                <a16:creationId xmlns:a16="http://schemas.microsoft.com/office/drawing/2014/main" id="{6E8F307A-08A8-0BC1-794F-837BAE347F2C}"/>
               </a:ext>
             </a:extLst>
           </p:cNvPr>
@@ -7608,55 +6775,148 @@
             <p:ph type="title"/>
           </p:nvPr>
         </p:nvSpPr>
-        <p:spPr/>
+        <p:spPr>
+          <a:xfrm>
+            <a:off x="1828800" y="344089"/>
+            <a:ext cx="8534400" cy="1507067"/>
+          </a:xfrm>
+        </p:spPr>
         <p:txBody>
           <a:bodyPr/>
           <a:lstStyle/>
           <a:p>
             <a:r>
               <a:rPr lang="es-MX" dirty="0"/>
-              <a:t>Conclusión  </a:t>
-            </a:r>
-          </a:p>
-        </p:txBody>
-      </p:sp>
-      <p:sp>
-        <p:nvSpPr>
-          <p:cNvPr id="3" name="Marcador de contenido 2">
+              <a:t>Pantallas finales</a:t>
+            </a:r>
+          </a:p>
+        </p:txBody>
+      </p:sp>
+      <p:pic>
+        <p:nvPicPr>
+          <p:cNvPr id="4" name="Marcador de contenido 4">
             <a:extLst>
               <a:ext uri="{FF2B5EF4-FFF2-40B4-BE49-F238E27FC236}">
-                <a16:creationId xmlns:a16="http://schemas.microsoft.com/office/drawing/2014/main" id="{63C1E499-3082-0BA6-3B19-841253881702}"/>
+                <a16:creationId xmlns:a16="http://schemas.microsoft.com/office/drawing/2014/main" id="{14200D4C-AB8B-355A-B98F-5AD073D1EE6C}"/>
               </a:ext>
             </a:extLst>
           </p:cNvPr>
-          <p:cNvSpPr>
-            <a:spLocks noGrp="1"/>
-          </p:cNvSpPr>
-          <p:nvPr>
-            <p:ph idx="1"/>
-          </p:nvPr>
-        </p:nvSpPr>
-        <p:spPr/>
-        <p:txBody>
-          <a:bodyPr>
-            <a:normAutofit lnSpcReduction="10000"/>
+          <p:cNvPicPr>
+            <a:picLocks noChangeAspect="1"/>
+          </p:cNvPicPr>
+          <p:nvPr/>
+        </p:nvPicPr>
+        <p:blipFill>
+          <a:blip r:embed="rId2"/>
+          <a:stretch>
+            <a:fillRect/>
+          </a:stretch>
+        </p:blipFill>
+        <p:spPr>
+          <a:xfrm>
+            <a:off x="1011369" y="1582608"/>
+            <a:ext cx="3223933" cy="3424237"/>
+          </a:xfrm>
+          <a:prstGeom prst="rect">
+            <a:avLst/>
+          </a:prstGeom>
+        </p:spPr>
+      </p:pic>
+      <p:pic>
+        <p:nvPicPr>
+          <p:cNvPr id="5" name="Imagen 4">
+            <a:extLst>
+              <a:ext uri="{FF2B5EF4-FFF2-40B4-BE49-F238E27FC236}">
+                <a16:creationId xmlns:a16="http://schemas.microsoft.com/office/drawing/2014/main" id="{02D190D3-6BC3-E813-87BF-39110675CB8B}"/>
+              </a:ext>
+            </a:extLst>
+          </p:cNvPr>
+          <p:cNvPicPr>
+            <a:picLocks noChangeAspect="1"/>
+          </p:cNvPicPr>
+          <p:nvPr/>
+        </p:nvPicPr>
+        <p:blipFill>
+          <a:blip r:embed="rId3"/>
+          <a:stretch>
+            <a:fillRect/>
+          </a:stretch>
+        </p:blipFill>
+        <p:spPr>
+          <a:xfrm>
+            <a:off x="4545843" y="1582608"/>
+            <a:ext cx="3431407" cy="3424237"/>
+          </a:xfrm>
+          <a:prstGeom prst="rect">
+            <a:avLst/>
+          </a:prstGeom>
+        </p:spPr>
+      </p:pic>
+      <p:pic>
+        <p:nvPicPr>
+          <p:cNvPr id="6" name="Imagen 5">
+            <a:extLst>
+              <a:ext uri="{FF2B5EF4-FFF2-40B4-BE49-F238E27FC236}">
+                <a16:creationId xmlns:a16="http://schemas.microsoft.com/office/drawing/2014/main" id="{5C3BC67E-26A1-56C7-7C81-32E3020DD5F2}"/>
+              </a:ext>
+            </a:extLst>
+          </p:cNvPr>
+          <p:cNvPicPr>
+            <a:picLocks noChangeAspect="1"/>
+          </p:cNvPicPr>
+          <p:nvPr/>
+        </p:nvPicPr>
+        <p:blipFill>
+          <a:blip r:embed="rId4"/>
+          <a:stretch>
+            <a:fillRect/>
+          </a:stretch>
+        </p:blipFill>
+        <p:spPr>
+          <a:xfrm>
+            <a:off x="8459500" y="1582608"/>
+            <a:ext cx="3171824" cy="3424237"/>
+          </a:xfrm>
+          <a:prstGeom prst="rect">
+            <a:avLst/>
+          </a:prstGeom>
+        </p:spPr>
+      </p:pic>
+      <p:sp>
+        <p:nvSpPr>
+          <p:cNvPr id="8" name="CuadroTexto 7">
+            <a:extLst>
+              <a:ext uri="{FF2B5EF4-FFF2-40B4-BE49-F238E27FC236}">
+                <a16:creationId xmlns:a16="http://schemas.microsoft.com/office/drawing/2014/main" id="{904BAB07-5AEA-7EEB-F81D-A336CAA30094}"/>
+              </a:ext>
+            </a:extLst>
+          </p:cNvPr>
+          <p:cNvSpPr txBox="1"/>
+          <p:nvPr/>
+        </p:nvSpPr>
+        <p:spPr>
+          <a:xfrm>
+            <a:off x="3042007" y="5275392"/>
+            <a:ext cx="6107986" cy="923330"/>
+          </a:xfrm>
+          <a:prstGeom prst="rect">
+            <a:avLst/>
+          </a:prstGeom>
+          <a:noFill/>
+        </p:spPr>
+        <p:txBody>
+          <a:bodyPr wrap="square">
+            <a:spAutoFit/>
           </a:bodyPr>
           <a:lstStyle/>
           <a:p>
-            <a:pPr marL="0" indent="0" algn="just">
-              <a:buNone/>
-            </a:pPr>
-            <a:r>
-              <a:rPr lang="es-MX" dirty="0"/>
-              <a:t>Las </a:t>
-            </a:r>
-            <a:r>
-              <a:rPr lang="es-MX" b="1" dirty="0"/>
-              <a:t>estructuras lineales</a:t>
-            </a:r>
-            <a:r>
-              <a:rPr lang="es-MX" dirty="0"/>
-              <a:t> constituyen la base de muchas aplicaciones y sistemas informáticos, ya que permiten gestionar datos de manera ordenada y eficiente. Su estudio y correcta implementación facilitan la resolución de problemas complejos y el desarrollo de programas más organizados y funcionales. Además, dominarlas proporciona herramientas fundamentales para avanzar en conceptos más complejos de programación, como las estructuras no lineales, bases de datos y algoritmos de optimización. Por ello, comprender su funcionamiento y saber aplicarlas correctamente es un paso indispensable para cualquier profesional en el área de la informática y programación.</a:t>
+            <a:r>
+              <a:rPr lang="es-MX" dirty="0">
+                <a:solidFill>
+                  <a:schemeClr val="bg1"/>
+                </a:solidFill>
+              </a:rPr>
+              <a:t>Cada estructura está conectada a su respectivo controlador y vista, lo que permite una interacción sencilla entre el usuario y el código.</a:t>
             </a:r>
           </a:p>
         </p:txBody>
@@ -7664,7 +6924,7 @@
     </p:spTree>
     <p:extLst>
       <p:ext uri="{BB962C8B-B14F-4D97-AF65-F5344CB8AC3E}">
-        <p14:creationId xmlns:p14="http://schemas.microsoft.com/office/powerpoint/2010/main" val="3541858479"/>
+        <p14:creationId xmlns:p14="http://schemas.microsoft.com/office/powerpoint/2010/main" val="999510186"/>
       </p:ext>
     </p:extLst>
   </p:cSld>
@@ -7696,7 +6956,7 @@
           <p:cNvPr id="2" name="Título 1">
             <a:extLst>
               <a:ext uri="{FF2B5EF4-FFF2-40B4-BE49-F238E27FC236}">
-                <a16:creationId xmlns:a16="http://schemas.microsoft.com/office/drawing/2014/main" id="{5BA2D0E9-E423-3530-9AAC-30A1373EC6DF}"/>
+                <a16:creationId xmlns:a16="http://schemas.microsoft.com/office/drawing/2014/main" id="{DD849591-7302-12F4-4208-E4D21D766F49}"/>
               </a:ext>
             </a:extLst>
           </p:cNvPr>
@@ -7707,16 +6967,19 @@
             <p:ph type="title"/>
           </p:nvPr>
         </p:nvSpPr>
-        <p:spPr/>
-        <p:txBody>
-          <a:bodyPr>
-            <a:normAutofit fontScale="90000"/>
-          </a:bodyPr>
+        <p:spPr>
+          <a:xfrm>
+            <a:off x="2852059" y="59076"/>
+            <a:ext cx="8534400" cy="1507067"/>
+          </a:xfrm>
+        </p:spPr>
+        <p:txBody>
+          <a:bodyPr/>
           <a:lstStyle/>
           <a:p>
             <a:r>
               <a:rPr lang="es-MX" dirty="0"/>
-              <a:t>Link Anexado al GitHub de los ejercicios solicitados de la actividad 3.3 ejercicios</a:t>
+              <a:t>Conclusión  </a:t>
             </a:r>
           </a:p>
         </p:txBody>
@@ -7726,7 +6989,7 @@
           <p:cNvPr id="3" name="Marcador de contenido 2">
             <a:extLst>
               <a:ext uri="{FF2B5EF4-FFF2-40B4-BE49-F238E27FC236}">
-                <a16:creationId xmlns:a16="http://schemas.microsoft.com/office/drawing/2014/main" id="{A78452AF-B96D-6556-0204-A53E3062E79A}"/>
+                <a16:creationId xmlns:a16="http://schemas.microsoft.com/office/drawing/2014/main" id="{63C1E499-3082-0BA6-3B19-841253881702}"/>
               </a:ext>
             </a:extLst>
           </p:cNvPr>
@@ -7737,17 +7000,32 @@
             <p:ph idx="1"/>
           </p:nvPr>
         </p:nvSpPr>
-        <p:spPr/>
-        <p:txBody>
-          <a:bodyPr/>
-          <a:lstStyle/>
-          <a:p>
-            <a:pPr marL="0" indent="0">
+        <p:spPr>
+          <a:xfrm>
+            <a:off x="1331484" y="1621366"/>
+            <a:ext cx="8534400" cy="3615267"/>
+          </a:xfrm>
+        </p:spPr>
+        <p:txBody>
+          <a:bodyPr>
+            <a:normAutofit/>
+          </a:bodyPr>
+          <a:lstStyle/>
+          <a:p>
+            <a:pPr marL="0" indent="0" algn="just">
               <a:buNone/>
             </a:pPr>
             <a:r>
               <a:rPr lang="es-MX" dirty="0"/>
-              <a:t>https://github.com/Cynthia21Morales/EstructuraDeDatos_CynthiaJasmineMT/tree/main/Unidad%203/3.3%20Ejercicios_Cynthia%20Jasmine%20Morales%20Torres</a:t>
+              <a:t>Este código demuestra el funcionamiento de las estructuras lineales pila, cola y lista mediante interfaces gráficas en </a:t>
+            </a:r>
+            <a:r>
+              <a:rPr lang="es-MX" dirty="0" err="1"/>
+              <a:t>JavaFX</a:t>
+            </a:r>
+            <a:r>
+              <a:rPr lang="es-MX" dirty="0"/>
+              <a:t>. Cada estructura se implementa en una clase independiente, lo que permite respetar su comportamiento específico. De forma similar a la recursividad, cada operación tiene condiciones de control que evitan errores y aseguran un flujo correcto de ejecución.</a:t>
             </a:r>
           </a:p>
         </p:txBody>
@@ -7755,7 +7033,7 @@
     </p:spTree>
     <p:extLst>
       <p:ext uri="{BB962C8B-B14F-4D97-AF65-F5344CB8AC3E}">
-        <p14:creationId xmlns:p14="http://schemas.microsoft.com/office/powerpoint/2010/main" val="25427307"/>
+        <p14:creationId xmlns:p14="http://schemas.microsoft.com/office/powerpoint/2010/main" val="3541858479"/>
       </p:ext>
     </p:extLst>
   </p:cSld>
@@ -7766,9 +7044,9 @@
 </file>
 
 <file path=ppt/theme/theme1.xml><?xml version="1.0" encoding="utf-8"?>
-<a:theme xmlns:a="http://schemas.openxmlformats.org/drawingml/2006/main" name="Orgánico">
+<a:theme xmlns:a="http://schemas.openxmlformats.org/drawingml/2006/main" name="Sector">
   <a:themeElements>
-    <a:clrScheme name="Orgánico">
+    <a:clrScheme name="Sector">
       <a:dk1>
         <a:sysClr val="windowText" lastClr="000000"/>
       </a:dk1>
@@ -7776,48 +7054,48 @@
         <a:sysClr val="window" lastClr="FFFFFF"/>
       </a:lt1>
       <a:dk2>
-        <a:srgbClr val="212121"/>
+        <a:srgbClr val="146194"/>
       </a:dk2>
       <a:lt2>
-        <a:srgbClr val="DADADA"/>
+        <a:srgbClr val="76DBF4"/>
       </a:lt2>
       <a:accent1>
-        <a:srgbClr val="D9B247"/>
+        <a:srgbClr val="052F61"/>
       </a:accent1>
       <a:accent2>
-        <a:srgbClr val="CC702D"/>
+        <a:srgbClr val="A50E82"/>
       </a:accent2>
       <a:accent3>
-        <a:srgbClr val="B53A31"/>
+        <a:srgbClr val="14967C"/>
       </a:accent3>
       <a:accent4>
-        <a:srgbClr val="815F56"/>
+        <a:srgbClr val="6A9E1F"/>
       </a:accent4>
       <a:accent5>
-        <a:srgbClr val="AE9E7C"/>
+        <a:srgbClr val="E87D37"/>
       </a:accent5>
       <a:accent6>
-        <a:srgbClr val="7B8865"/>
+        <a:srgbClr val="C62324"/>
       </a:accent6>
       <a:hlink>
-        <a:srgbClr val="BB7826"/>
+        <a:srgbClr val="0D2E46"/>
       </a:hlink>
       <a:folHlink>
-        <a:srgbClr val="CF9C5F"/>
+        <a:srgbClr val="356A95"/>
       </a:folHlink>
     </a:clrScheme>
-    <a:fontScheme name="Orgánico">
+    <a:fontScheme name="Sector">
       <a:majorFont>
-        <a:latin typeface="Garamond" panose="02020404030301010803"/>
+        <a:latin typeface="Century Gothic" panose="020B0502020202020204"/>
         <a:ea typeface=""/>
         <a:cs typeface=""/>
-        <a:font script="Jpan" typeface="ＭＳ Ｐゴシック"/>
-        <a:font script="Hang" typeface="돋움"/>
-        <a:font script="Hans" typeface="方正舒体"/>
+        <a:font script="Jpan" typeface="メイリオ"/>
+        <a:font script="Hang" typeface="HY중고딕"/>
+        <a:font script="Hans" typeface="幼圆"/>
         <a:font script="Hant" typeface="微軟正黑體"/>
-        <a:font script="Arab" typeface="Arial"/>
-        <a:font script="Hebr" typeface="Arial"/>
-        <a:font script="Thai" typeface="Cordia New"/>
+        <a:font script="Arab" typeface="Tahoma"/>
+        <a:font script="Hebr" typeface="Gisha"/>
+        <a:font script="Thai" typeface="DilleniaUPC"/>
         <a:font script="Ethi" typeface="Nyala"/>
         <a:font script="Beng" typeface="Vrinda"/>
         <a:font script="Gujr" typeface="Shruti"/>
@@ -7838,25 +7116,25 @@
         <a:font script="Laoo" typeface="DokChampa"/>
         <a:font script="Sinh" typeface="Iskoola Pota"/>
         <a:font script="Mong" typeface="Mongolian Baiti"/>
-        <a:font script="Viet" typeface="Arial"/>
+        <a:font script="Viet" typeface="Tahoma"/>
         <a:font script="Uigh" typeface="Microsoft Uighur"/>
         <a:font script="Geor" typeface="Sylfaen"/>
       </a:majorFont>
       <a:minorFont>
-        <a:latin typeface="Garamond" panose="02020404030301010803"/>
+        <a:latin typeface="Century Gothic" panose="020B0502020202020204"/>
         <a:ea typeface=""/>
         <a:cs typeface=""/>
-        <a:font script="Jpan" typeface="ＭＳ Ｐ明朝"/>
-        <a:font script="Hang" typeface="바탕"/>
-        <a:font script="Hans" typeface="方正舒体"/>
-        <a:font script="Hant" typeface="新細明體"/>
-        <a:font script="Arab" typeface="Times New Roman"/>
-        <a:font script="Hebr" typeface="Times New Roman"/>
-        <a:font script="Thai" typeface="Angsana New"/>
+        <a:font script="Jpan" typeface="メイリオ"/>
+        <a:font script="Hang" typeface="HY중고딕"/>
+        <a:font script="Hans" typeface="幼圆"/>
+        <a:font script="Hant" typeface="微軟正黑體"/>
+        <a:font script="Arab" typeface="Tahoma"/>
+        <a:font script="Hebr" typeface="Gisha"/>
+        <a:font script="Thai" typeface="DilleniaUPC"/>
         <a:font script="Ethi" typeface="Nyala"/>
         <a:font script="Beng" typeface="Vrinda"/>
         <a:font script="Gujr" typeface="Shruti"/>
-        <a:font script="Khmr" typeface="MoolBoran"/>
+        <a:font script="Khmr" typeface="DaunPenh"/>
         <a:font script="Knda" typeface="Tunga"/>
         <a:font script="Guru" typeface="Raavi"/>
         <a:font script="Cans" typeface="Euphemia"/>
@@ -7873,12 +7151,12 @@
         <a:font script="Laoo" typeface="DokChampa"/>
         <a:font script="Sinh" typeface="Iskoola Pota"/>
         <a:font script="Mong" typeface="Mongolian Baiti"/>
-        <a:font script="Viet" typeface="Times New Roman"/>
+        <a:font script="Viet" typeface="Tahoma"/>
         <a:font script="Uigh" typeface="Microsoft Uighur"/>
         <a:font script="Geor" typeface="Sylfaen"/>
       </a:minorFont>
     </a:fontScheme>
-    <a:fmtScheme name="Orgánico">
+    <a:fmtScheme name="Sector">
       <a:fillStyleLst>
         <a:solidFill>
           <a:schemeClr val="phClr"/>
@@ -7887,50 +7165,61 @@
           <a:gsLst>
             <a:gs pos="0">
               <a:schemeClr val="phClr">
-                <a:tint val="60000"/>
+                <a:tint val="62000"/>
+                <a:hueMod val="94000"/>
+                <a:satMod val="140000"/>
                 <a:lumMod val="110000"/>
               </a:schemeClr>
             </a:gs>
             <a:gs pos="100000">
               <a:schemeClr val="phClr">
-                <a:tint val="82000"/>
+                <a:tint val="84000"/>
+                <a:satMod val="160000"/>
               </a:schemeClr>
             </a:gs>
           </a:gsLst>
           <a:lin ang="5400000" scaled="0"/>
         </a:gradFill>
-        <a:blipFill>
-          <a:blip xmlns:r="http://schemas.openxmlformats.org/officeDocument/2006/relationships" r:embed="rId1">
-            <a:duotone>
+        <a:gradFill rotWithShape="1">
+          <a:gsLst>
+            <a:gs pos="0">
               <a:schemeClr val="phClr">
-                <a:shade val="74000"/>
+                <a:tint val="98000"/>
+                <a:hueMod val="94000"/>
                 <a:satMod val="130000"/>
-                <a:lumMod val="90000"/>
+                <a:lumMod val="128000"/>
               </a:schemeClr>
+            </a:gs>
+            <a:gs pos="100000">
               <a:schemeClr val="phClr">
-                <a:tint val="94000"/>
-                <a:satMod val="120000"/>
-                <a:lumMod val="104000"/>
+                <a:shade val="94000"/>
+                <a:lumMod val="88000"/>
               </a:schemeClr>
-            </a:duotone>
-          </a:blip>
-          <a:tile tx="0" ty="0" sx="100000" sy="100000" flip="none" algn="tl"/>
-        </a:blipFill>
+            </a:gs>
+          </a:gsLst>
+          <a:lin ang="5400000" scaled="0"/>
+        </a:gradFill>
       </a:fillStyleLst>
       <a:lnStyleLst>
-        <a:ln w="9525" cap="flat" cmpd="sng" algn="ctr">
+        <a:ln w="9525" cap="rnd" cmpd="sng" algn="ctr">
           <a:solidFill>
-            <a:schemeClr val="phClr"/>
+            <a:schemeClr val="phClr">
+              <a:tint val="76000"/>
+              <a:alpha val="60000"/>
+              <a:hueMod val="94000"/>
+            </a:schemeClr>
           </a:solidFill>
           <a:prstDash val="solid"/>
         </a:ln>
-        <a:ln w="15875" cap="flat" cmpd="sng" algn="ctr">
+        <a:ln w="15875" cap="rnd" cmpd="sng" algn="ctr">
           <a:solidFill>
-            <a:schemeClr val="phClr"/>
+            <a:schemeClr val="phClr">
+              <a:hueMod val="94000"/>
+            </a:schemeClr>
           </a:solidFill>
           <a:prstDash val="solid"/>
         </a:ln>
-        <a:ln w="25400" cap="flat" cmpd="sng" algn="ctr">
+        <a:ln w="28575" cap="rnd" cmpd="sng" algn="ctr">
           <a:solidFill>
             <a:schemeClr val="phClr"/>
           </a:solidFill>
@@ -7952,12 +7241,21 @@
         </a:effectStyle>
         <a:effectStyle>
           <a:effectLst>
-            <a:outerShdw blurRad="38100" dist="25400" dir="5400000" rotWithShape="0">
+            <a:outerShdw blurRad="50800" dist="38100" dir="5400000" rotWithShape="0">
               <a:srgbClr val="000000">
-                <a:alpha val="60000"/>
+                <a:alpha val="46000"/>
               </a:srgbClr>
             </a:outerShdw>
           </a:effectLst>
+          <a:scene3d>
+            <a:camera prst="orthographicFront">
+              <a:rot lat="0" lon="0" rev="0"/>
+            </a:camera>
+            <a:lightRig rig="threePt" dir="t"/>
+          </a:scene3d>
+          <a:sp3d prstMaterial="plastic">
+            <a:bevelT w="25400" h="25400"/>
+          </a:sp3d>
         </a:effectStyle>
       </a:effectStyleLst>
       <a:bgFillStyleLst>
@@ -7966,25 +7264,46 @@
         </a:solidFill>
         <a:gradFill rotWithShape="1">
           <a:gsLst>
-            <a:gs pos="0">
+            <a:gs pos="10000">
               <a:schemeClr val="phClr">
-                <a:tint val="90000"/>
-                <a:lumMod val="110000"/>
+                <a:tint val="97000"/>
+                <a:hueMod val="92000"/>
+                <a:satMod val="169000"/>
+                <a:lumMod val="164000"/>
               </a:schemeClr>
             </a:gs>
             <a:gs pos="100000">
               <a:schemeClr val="phClr">
-                <a:shade val="88000"/>
-                <a:lumMod val="98000"/>
+                <a:shade val="96000"/>
+                <a:satMod val="120000"/>
+                <a:lumMod val="90000"/>
               </a:schemeClr>
             </a:gs>
           </a:gsLst>
-          <a:lin ang="5400000" scaled="0"/>
+          <a:lin ang="6120000" scaled="1"/>
         </a:gradFill>
-        <a:blipFill>
-          <a:blip xmlns:r="http://schemas.openxmlformats.org/officeDocument/2006/relationships" r:embed="rId2"/>
-          <a:stretch/>
-        </a:blipFill>
+        <a:gradFill rotWithShape="1">
+          <a:gsLst>
+            <a:gs pos="0">
+              <a:schemeClr val="phClr">
+                <a:tint val="97000"/>
+                <a:hueMod val="92000"/>
+                <a:satMod val="169000"/>
+                <a:lumMod val="164000"/>
+              </a:schemeClr>
+            </a:gs>
+            <a:gs pos="100000">
+              <a:schemeClr val="phClr">
+                <a:shade val="96000"/>
+                <a:satMod val="120000"/>
+                <a:lumMod val="90000"/>
+              </a:schemeClr>
+            </a:gs>
+          </a:gsLst>
+          <a:path path="circle">
+            <a:fillToRect b="100000"/>
+          </a:path>
+        </a:gradFill>
       </a:bgFillStyleLst>
     </a:fmtScheme>
   </a:themeElements>
@@ -7992,7 +7311,7 @@
   <a:extraClrSchemeLst/>
   <a:extLst>
     <a:ext uri="{05A4C25C-085E-4340-85A3-A5531E510DB2}">
-      <thm15:themeFamily xmlns:thm15="http://schemas.microsoft.com/office/thememl/2012/main" name="Organic" id="{28CDC826-8792-45C0-861B-85EB3ADEDA33}" vid="{E4E49EB0-FB00-41F5-9359-4843D783A23D}"/>
+      <thm15:themeFamily xmlns:thm15="http://schemas.microsoft.com/office/thememl/2012/main" name="Slice" id="{0507925B-6AC9-4358-8E18-C330545D08F8}" vid="{13FEC7C6-62A9-40C4-99D2-581AACACAA2F}"/>
     </a:ext>
   </a:extLst>
 </a:theme>
